--- a/docs/_static/Bearbeitete Bilder aus classEx.pptx
+++ b/docs/_static/Bearbeitete Bilder aus classEx.pptx
@@ -293,7 +293,7 @@
           <a:p>
             <a:fld id="{E6DC7167-61E9-449F-B13C-3C2862044923}" type="datetimeFigureOut">
               <a:rPr lang="de-DE" smtClean="0"/>
-              <a:t>05.09.2018</a:t>
+              <a:t>12.10.2018</a:t>
             </a:fld>
             <a:endParaRPr lang="de-DE"/>
           </a:p>
@@ -463,7 +463,7 @@
           <a:p>
             <a:fld id="{E6DC7167-61E9-449F-B13C-3C2862044923}" type="datetimeFigureOut">
               <a:rPr lang="de-DE" smtClean="0"/>
-              <a:t>05.09.2018</a:t>
+              <a:t>12.10.2018</a:t>
             </a:fld>
             <a:endParaRPr lang="de-DE"/>
           </a:p>
@@ -643,7 +643,7 @@
           <a:p>
             <a:fld id="{E6DC7167-61E9-449F-B13C-3C2862044923}" type="datetimeFigureOut">
               <a:rPr lang="de-DE" smtClean="0"/>
-              <a:t>05.09.2018</a:t>
+              <a:t>12.10.2018</a:t>
             </a:fld>
             <a:endParaRPr lang="de-DE"/>
           </a:p>
@@ -813,7 +813,7 @@
           <a:p>
             <a:fld id="{E6DC7167-61E9-449F-B13C-3C2862044923}" type="datetimeFigureOut">
               <a:rPr lang="de-DE" smtClean="0"/>
-              <a:t>05.09.2018</a:t>
+              <a:t>12.10.2018</a:t>
             </a:fld>
             <a:endParaRPr lang="de-DE"/>
           </a:p>
@@ -1059,7 +1059,7 @@
           <a:p>
             <a:fld id="{E6DC7167-61E9-449F-B13C-3C2862044923}" type="datetimeFigureOut">
               <a:rPr lang="de-DE" smtClean="0"/>
-              <a:t>05.09.2018</a:t>
+              <a:t>12.10.2018</a:t>
             </a:fld>
             <a:endParaRPr lang="de-DE"/>
           </a:p>
@@ -1347,7 +1347,7 @@
           <a:p>
             <a:fld id="{E6DC7167-61E9-449F-B13C-3C2862044923}" type="datetimeFigureOut">
               <a:rPr lang="de-DE" smtClean="0"/>
-              <a:t>05.09.2018</a:t>
+              <a:t>12.10.2018</a:t>
             </a:fld>
             <a:endParaRPr lang="de-DE"/>
           </a:p>
@@ -1769,7 +1769,7 @@
           <a:p>
             <a:fld id="{E6DC7167-61E9-449F-B13C-3C2862044923}" type="datetimeFigureOut">
               <a:rPr lang="de-DE" smtClean="0"/>
-              <a:t>05.09.2018</a:t>
+              <a:t>12.10.2018</a:t>
             </a:fld>
             <a:endParaRPr lang="de-DE"/>
           </a:p>
@@ -1887,7 +1887,7 @@
           <a:p>
             <a:fld id="{E6DC7167-61E9-449F-B13C-3C2862044923}" type="datetimeFigureOut">
               <a:rPr lang="de-DE" smtClean="0"/>
-              <a:t>05.09.2018</a:t>
+              <a:t>12.10.2018</a:t>
             </a:fld>
             <a:endParaRPr lang="de-DE"/>
           </a:p>
@@ -1982,7 +1982,7 @@
           <a:p>
             <a:fld id="{E6DC7167-61E9-449F-B13C-3C2862044923}" type="datetimeFigureOut">
               <a:rPr lang="de-DE" smtClean="0"/>
-              <a:t>05.09.2018</a:t>
+              <a:t>12.10.2018</a:t>
             </a:fld>
             <a:endParaRPr lang="de-DE"/>
           </a:p>
@@ -2259,7 +2259,7 @@
           <a:p>
             <a:fld id="{E6DC7167-61E9-449F-B13C-3C2862044923}" type="datetimeFigureOut">
               <a:rPr lang="de-DE" smtClean="0"/>
-              <a:t>05.09.2018</a:t>
+              <a:t>12.10.2018</a:t>
             </a:fld>
             <a:endParaRPr lang="de-DE"/>
           </a:p>
@@ -2512,7 +2512,7 @@
           <a:p>
             <a:fld id="{E6DC7167-61E9-449F-B13C-3C2862044923}" type="datetimeFigureOut">
               <a:rPr lang="de-DE" smtClean="0"/>
-              <a:t>05.09.2018</a:t>
+              <a:t>12.10.2018</a:t>
             </a:fld>
             <a:endParaRPr lang="de-DE"/>
           </a:p>
@@ -2725,7 +2725,7 @@
           <a:p>
             <a:fld id="{E6DC7167-61E9-449F-B13C-3C2862044923}" type="datetimeFigureOut">
               <a:rPr lang="de-DE" smtClean="0"/>
-              <a:t>05.09.2018</a:t>
+              <a:t>12.10.2018</a:t>
             </a:fld>
             <a:endParaRPr lang="de-DE"/>
           </a:p>
@@ -3102,7 +3102,7 @@
       </p:grpSpPr>
       <p:pic>
         <p:nvPicPr>
-          <p:cNvPr id="1026" name="Picture 2" descr="File:Loginnew.JPG"/>
+          <p:cNvPr id="2" name="Picture 2"/>
           <p:cNvPicPr>
             <a:picLocks noChangeAspect="1" noChangeArrowheads="1"/>
           </p:cNvPicPr>
@@ -3123,220 +3123,47 @@
         </p:blipFill>
         <p:spPr bwMode="auto">
           <a:xfrm>
-            <a:off x="1377896" y="1859111"/>
-            <a:ext cx="4371975" cy="2457451"/>
+            <a:off x="1972945" y="2003511"/>
+            <a:ext cx="4273550" cy="2800350"/>
           </a:xfrm>
           <a:prstGeom prst="rect">
             <a:avLst/>
           </a:prstGeom>
           <a:noFill/>
+          <a:ln>
+            <a:noFill/>
+          </a:ln>
           <a:extLst>
             <a:ext uri="{909E8E84-426E-40DD-AFC4-6F175D3DCCD1}">
               <a14:hiddenFill xmlns:a14="http://schemas.microsoft.com/office/drawing/2010/main">
                 <a:solidFill>
-                  <a:srgbClr val="FFFFFF"/>
+                  <a:schemeClr val="accent1"/>
                 </a:solidFill>
               </a14:hiddenFill>
             </a:ext>
+            <a:ext uri="{91240B29-F687-4F45-9708-019B960494DF}">
+              <a14:hiddenLine xmlns:a14="http://schemas.microsoft.com/office/drawing/2010/main" w="9525">
+                <a:solidFill>
+                  <a:schemeClr val="tx1"/>
+                </a:solidFill>
+                <a:miter lim="800000"/>
+                <a:headEnd/>
+                <a:tailEnd/>
+              </a14:hiddenLine>
+            </a:ext>
           </a:extLst>
         </p:spPr>
       </p:pic>
-      <p:sp>
-        <p:nvSpPr>
-          <p:cNvPr id="4" name="Rechteck 3"/>
-          <p:cNvSpPr/>
-          <p:nvPr/>
-        </p:nvSpPr>
-        <p:spPr>
-          <a:xfrm>
-            <a:off x="2123727" y="2890839"/>
-            <a:ext cx="2843561" cy="206523"/>
-          </a:xfrm>
-          <a:prstGeom prst="rect">
-            <a:avLst/>
-          </a:prstGeom>
-          <a:noFill/>
-          <a:ln w="19050">
-            <a:solidFill>
-              <a:srgbClr val="FF0000"/>
-            </a:solidFill>
-          </a:ln>
-        </p:spPr>
-        <p:style>
-          <a:lnRef idx="2">
-            <a:schemeClr val="accent1">
-              <a:shade val="50000"/>
-            </a:schemeClr>
-          </a:lnRef>
-          <a:fillRef idx="1">
-            <a:schemeClr val="accent1"/>
-          </a:fillRef>
-          <a:effectRef idx="0">
-            <a:schemeClr val="accent1"/>
-          </a:effectRef>
-          <a:fontRef idx="minor">
-            <a:schemeClr val="lt1"/>
-          </a:fontRef>
-        </p:style>
-        <p:txBody>
-          <a:bodyPr rtlCol="0" anchor="ctr"/>
-          <a:lstStyle/>
-          <a:p>
-            <a:pPr algn="ctr"/>
-            <a:endParaRPr lang="de-DE"/>
-          </a:p>
-        </p:txBody>
-      </p:sp>
-      <p:sp>
-        <p:nvSpPr>
-          <p:cNvPr id="9" name="Rechteck 8"/>
-          <p:cNvSpPr/>
-          <p:nvPr/>
-        </p:nvSpPr>
-        <p:spPr>
-          <a:xfrm>
-            <a:off x="2123711" y="3095632"/>
-            <a:ext cx="2843561" cy="206523"/>
-          </a:xfrm>
-          <a:prstGeom prst="rect">
-            <a:avLst/>
-          </a:prstGeom>
-          <a:noFill/>
-          <a:ln w="19050">
-            <a:solidFill>
-              <a:srgbClr val="FF0000"/>
-            </a:solidFill>
-          </a:ln>
-        </p:spPr>
-        <p:style>
-          <a:lnRef idx="2">
-            <a:schemeClr val="accent1">
-              <a:shade val="50000"/>
-            </a:schemeClr>
-          </a:lnRef>
-          <a:fillRef idx="1">
-            <a:schemeClr val="accent1"/>
-          </a:fillRef>
-          <a:effectRef idx="0">
-            <a:schemeClr val="accent1"/>
-          </a:effectRef>
-          <a:fontRef idx="minor">
-            <a:schemeClr val="lt1"/>
-          </a:fontRef>
-        </p:style>
-        <p:txBody>
-          <a:bodyPr rtlCol="0" anchor="ctr"/>
-          <a:lstStyle/>
-          <a:p>
-            <a:pPr algn="ctr"/>
-            <a:endParaRPr lang="de-DE"/>
-          </a:p>
-        </p:txBody>
-      </p:sp>
-      <p:sp>
-        <p:nvSpPr>
-          <p:cNvPr id="10" name="Rechteck 9"/>
-          <p:cNvSpPr/>
-          <p:nvPr/>
-        </p:nvSpPr>
-        <p:spPr>
-          <a:xfrm>
-            <a:off x="2123695" y="3300425"/>
-            <a:ext cx="2843561" cy="206523"/>
-          </a:xfrm>
-          <a:prstGeom prst="rect">
-            <a:avLst/>
-          </a:prstGeom>
-          <a:noFill/>
-          <a:ln w="19050">
-            <a:solidFill>
-              <a:srgbClr val="FF0000"/>
-            </a:solidFill>
-          </a:ln>
-        </p:spPr>
-        <p:style>
-          <a:lnRef idx="2">
-            <a:schemeClr val="accent1">
-              <a:shade val="50000"/>
-            </a:schemeClr>
-          </a:lnRef>
-          <a:fillRef idx="1">
-            <a:schemeClr val="accent1"/>
-          </a:fillRef>
-          <a:effectRef idx="0">
-            <a:schemeClr val="accent1"/>
-          </a:effectRef>
-          <a:fontRef idx="minor">
-            <a:schemeClr val="lt1"/>
-          </a:fontRef>
-        </p:style>
-        <p:txBody>
-          <a:bodyPr rtlCol="0" anchor="ctr"/>
-          <a:lstStyle/>
-          <a:p>
-            <a:pPr algn="ctr"/>
-            <a:endParaRPr lang="de-DE"/>
-          </a:p>
-        </p:txBody>
-      </p:sp>
-      <p:sp>
-        <p:nvSpPr>
-          <p:cNvPr id="11" name="Rechteck 10"/>
-          <p:cNvSpPr/>
-          <p:nvPr/>
-        </p:nvSpPr>
-        <p:spPr>
-          <a:xfrm>
-            <a:off x="2123693" y="3632512"/>
-            <a:ext cx="2843561" cy="206523"/>
-          </a:xfrm>
-          <a:prstGeom prst="rect">
-            <a:avLst/>
-          </a:prstGeom>
-          <a:noFill/>
-          <a:ln w="19050">
-            <a:solidFill>
-              <a:srgbClr val="FF0000"/>
-            </a:solidFill>
-          </a:ln>
-        </p:spPr>
-        <p:style>
-          <a:lnRef idx="2">
-            <a:schemeClr val="accent1">
-              <a:shade val="50000"/>
-            </a:schemeClr>
-          </a:lnRef>
-          <a:fillRef idx="1">
-            <a:schemeClr val="accent1"/>
-          </a:fillRef>
-          <a:effectRef idx="0">
-            <a:schemeClr val="accent1"/>
-          </a:effectRef>
-          <a:fontRef idx="minor">
-            <a:schemeClr val="lt1"/>
-          </a:fontRef>
-        </p:style>
-        <p:txBody>
-          <a:bodyPr rtlCol="0" anchor="ctr"/>
-          <a:lstStyle/>
-          <a:p>
-            <a:pPr algn="ctr"/>
-            <a:endParaRPr lang="de-DE"/>
-          </a:p>
-        </p:txBody>
-      </p:sp>
       <p:cxnSp>
         <p:nvCxnSpPr>
           <p:cNvPr id="12" name="Gerade Verbindung 11"/>
-          <p:cNvCxnSpPr>
-            <a:stCxn id="4" idx="3"/>
-          </p:cNvCxnSpPr>
+          <p:cNvCxnSpPr/>
           <p:nvPr/>
         </p:nvCxnSpPr>
         <p:spPr>
           <a:xfrm flipV="1">
-            <a:off x="4967288" y="2333625"/>
-            <a:ext cx="1023937" cy="660476"/>
+            <a:off x="4967288" y="2518291"/>
+            <a:ext cx="1408112" cy="475810"/>
           </a:xfrm>
           <a:prstGeom prst="line">
             <a:avLst/>
@@ -3370,8 +3197,8 @@
         </p:nvCxnSpPr>
         <p:spPr>
           <a:xfrm flipV="1">
-            <a:off x="4967252" y="2647955"/>
-            <a:ext cx="1023937" cy="550938"/>
+            <a:off x="5606220" y="3251200"/>
+            <a:ext cx="1023937" cy="192468"/>
           </a:xfrm>
           <a:prstGeom prst="line">
             <a:avLst/>
@@ -3405,8 +3232,8 @@
         </p:nvCxnSpPr>
         <p:spPr>
           <a:xfrm flipV="1">
-            <a:off x="4967288" y="2923424"/>
-            <a:ext cx="1023902" cy="480269"/>
+            <a:off x="5222558" y="3698240"/>
+            <a:ext cx="1330642" cy="109476"/>
           </a:xfrm>
           <a:prstGeom prst="line">
             <a:avLst/>
@@ -3432,43 +3259,6 @@
           </a:fontRef>
         </p:style>
       </p:cxnSp>
-      <p:cxnSp>
-        <p:nvCxnSpPr>
-          <p:cNvPr id="16" name="Gerade Verbindung 15"/>
-          <p:cNvCxnSpPr>
-            <a:endCxn id="22" idx="1"/>
-          </p:cNvCxnSpPr>
-          <p:nvPr/>
-        </p:nvCxnSpPr>
-        <p:spPr>
-          <a:xfrm flipV="1">
-            <a:off x="4967253" y="3230837"/>
-            <a:ext cx="1023972" cy="518995"/>
-          </a:xfrm>
-          <a:prstGeom prst="line">
-            <a:avLst/>
-          </a:prstGeom>
-          <a:ln w="12700">
-            <a:solidFill>
-              <a:srgbClr val="FF0000"/>
-            </a:solidFill>
-          </a:ln>
-        </p:spPr>
-        <p:style>
-          <a:lnRef idx="1">
-            <a:schemeClr val="accent1"/>
-          </a:lnRef>
-          <a:fillRef idx="0">
-            <a:schemeClr val="accent1"/>
-          </a:fillRef>
-          <a:effectRef idx="0">
-            <a:schemeClr val="accent1"/>
-          </a:effectRef>
-          <a:fontRef idx="minor">
-            <a:schemeClr val="tx1"/>
-          </a:fontRef>
-        </p:style>
-      </p:cxnSp>
       <p:sp>
         <p:nvSpPr>
           <p:cNvPr id="18" name="Textfeld 17"/>
@@ -3477,7 +3267,7 @@
         </p:nvSpPr>
         <p:spPr>
           <a:xfrm>
-            <a:off x="5991225" y="2148959"/>
+            <a:off x="6433185" y="2326574"/>
             <a:ext cx="1443037" cy="369332"/>
           </a:xfrm>
           <a:prstGeom prst="rect">
@@ -3500,7 +3290,7 @@
                   <a:srgbClr val="FF0000"/>
                 </a:solidFill>
               </a:rPr>
-              <a:t>University</a:t>
+              <a:t>Institution</a:t>
             </a:r>
             <a:endParaRPr lang="de-DE" dirty="0">
               <a:solidFill>
@@ -3518,7 +3308,7 @@
         </p:nvSpPr>
         <p:spPr>
           <a:xfrm>
-            <a:off x="5991225" y="2453763"/>
+            <a:off x="6642735" y="3106814"/>
             <a:ext cx="1443037" cy="369332"/>
           </a:xfrm>
           <a:prstGeom prst="rect">
@@ -3559,7 +3349,7 @@
         </p:nvSpPr>
         <p:spPr>
           <a:xfrm>
-            <a:off x="5991225" y="2738758"/>
+            <a:off x="6642735" y="3512112"/>
             <a:ext cx="1443037" cy="369332"/>
           </a:xfrm>
           <a:prstGeom prst="rect">
@@ -3585,53 +3375,12 @@
               <a:t>User </a:t>
             </a:r>
             <a:r>
-              <a:rPr lang="de-DE" dirty="0" err="1" smtClean="0">
+              <a:rPr lang="de-DE" dirty="0" smtClean="0">
                 <a:solidFill>
                   <a:srgbClr val="FF0000"/>
                 </a:solidFill>
               </a:rPr>
-              <a:t>mode</a:t>
-            </a:r>
-            <a:endParaRPr lang="de-DE" dirty="0">
-              <a:solidFill>
-                <a:srgbClr val="FF0000"/>
-              </a:solidFill>
-            </a:endParaRPr>
-          </a:p>
-        </p:txBody>
-      </p:sp>
-      <p:sp>
-        <p:nvSpPr>
-          <p:cNvPr id="22" name="Textfeld 21"/>
-          <p:cNvSpPr txBox="1"/>
-          <p:nvPr/>
-        </p:nvSpPr>
-        <p:spPr>
-          <a:xfrm>
-            <a:off x="5991225" y="3046171"/>
-            <a:ext cx="1443037" cy="369332"/>
-          </a:xfrm>
-          <a:prstGeom prst="rect">
-            <a:avLst/>
-          </a:prstGeom>
-          <a:noFill/>
-          <a:ln>
-            <a:noFill/>
-          </a:ln>
-        </p:spPr>
-        <p:txBody>
-          <a:bodyPr wrap="square" rtlCol="0">
-            <a:spAutoFit/>
-          </a:bodyPr>
-          <a:lstStyle/>
-          <a:p>
-            <a:r>
-              <a:rPr lang="de-DE" dirty="0" smtClean="0">
-                <a:solidFill>
-                  <a:srgbClr val="FF0000"/>
-                </a:solidFill>
-              </a:rPr>
-              <a:t>Password</a:t>
+              <a:t>type</a:t>
             </a:r>
             <a:endParaRPr lang="de-DE" dirty="0">
               <a:solidFill>

--- a/docs/_static/Bearbeitete Bilder aus classEx.pptx
+++ b/docs/_static/Bearbeitete Bilder aus classEx.pptx
@@ -5,12 +5,14 @@
     <p:sldMasterId id="2147483648" r:id="rId1"/>
   </p:sldMasterIdLst>
   <p:sldIdLst>
-    <p:sldId id="256" r:id="rId2"/>
-    <p:sldId id="257" r:id="rId3"/>
-    <p:sldId id="258" r:id="rId4"/>
-    <p:sldId id="259" r:id="rId5"/>
-    <p:sldId id="260" r:id="rId6"/>
-    <p:sldId id="261" r:id="rId7"/>
+    <p:sldId id="262" r:id="rId2"/>
+    <p:sldId id="263" r:id="rId3"/>
+    <p:sldId id="256" r:id="rId4"/>
+    <p:sldId id="257" r:id="rId5"/>
+    <p:sldId id="258" r:id="rId6"/>
+    <p:sldId id="259" r:id="rId7"/>
+    <p:sldId id="260" r:id="rId8"/>
+    <p:sldId id="261" r:id="rId9"/>
   </p:sldIdLst>
   <p:sldSz cx="9144000" cy="6858000" type="screen4x3"/>
   <p:notesSz cx="6858000" cy="9144000"/>
@@ -293,7 +295,7 @@
           <a:p>
             <a:fld id="{E6DC7167-61E9-449F-B13C-3C2862044923}" type="datetimeFigureOut">
               <a:rPr lang="de-DE" smtClean="0"/>
-              <a:t>12.10.2018</a:t>
+              <a:t>18.10.2018</a:t>
             </a:fld>
             <a:endParaRPr lang="de-DE"/>
           </a:p>
@@ -463,7 +465,7 @@
           <a:p>
             <a:fld id="{E6DC7167-61E9-449F-B13C-3C2862044923}" type="datetimeFigureOut">
               <a:rPr lang="de-DE" smtClean="0"/>
-              <a:t>12.10.2018</a:t>
+              <a:t>18.10.2018</a:t>
             </a:fld>
             <a:endParaRPr lang="de-DE"/>
           </a:p>
@@ -643,7 +645,7 @@
           <a:p>
             <a:fld id="{E6DC7167-61E9-449F-B13C-3C2862044923}" type="datetimeFigureOut">
               <a:rPr lang="de-DE" smtClean="0"/>
-              <a:t>12.10.2018</a:t>
+              <a:t>18.10.2018</a:t>
             </a:fld>
             <a:endParaRPr lang="de-DE"/>
           </a:p>
@@ -813,7 +815,7 @@
           <a:p>
             <a:fld id="{E6DC7167-61E9-449F-B13C-3C2862044923}" type="datetimeFigureOut">
               <a:rPr lang="de-DE" smtClean="0"/>
-              <a:t>12.10.2018</a:t>
+              <a:t>18.10.2018</a:t>
             </a:fld>
             <a:endParaRPr lang="de-DE"/>
           </a:p>
@@ -1059,7 +1061,7 @@
           <a:p>
             <a:fld id="{E6DC7167-61E9-449F-B13C-3C2862044923}" type="datetimeFigureOut">
               <a:rPr lang="de-DE" smtClean="0"/>
-              <a:t>12.10.2018</a:t>
+              <a:t>18.10.2018</a:t>
             </a:fld>
             <a:endParaRPr lang="de-DE"/>
           </a:p>
@@ -1347,7 +1349,7 @@
           <a:p>
             <a:fld id="{E6DC7167-61E9-449F-B13C-3C2862044923}" type="datetimeFigureOut">
               <a:rPr lang="de-DE" smtClean="0"/>
-              <a:t>12.10.2018</a:t>
+              <a:t>18.10.2018</a:t>
             </a:fld>
             <a:endParaRPr lang="de-DE"/>
           </a:p>
@@ -1769,7 +1771,7 @@
           <a:p>
             <a:fld id="{E6DC7167-61E9-449F-B13C-3C2862044923}" type="datetimeFigureOut">
               <a:rPr lang="de-DE" smtClean="0"/>
-              <a:t>12.10.2018</a:t>
+              <a:t>18.10.2018</a:t>
             </a:fld>
             <a:endParaRPr lang="de-DE"/>
           </a:p>
@@ -1887,7 +1889,7 @@
           <a:p>
             <a:fld id="{E6DC7167-61E9-449F-B13C-3C2862044923}" type="datetimeFigureOut">
               <a:rPr lang="de-DE" smtClean="0"/>
-              <a:t>12.10.2018</a:t>
+              <a:t>18.10.2018</a:t>
             </a:fld>
             <a:endParaRPr lang="de-DE"/>
           </a:p>
@@ -1982,7 +1984,7 @@
           <a:p>
             <a:fld id="{E6DC7167-61E9-449F-B13C-3C2862044923}" type="datetimeFigureOut">
               <a:rPr lang="de-DE" smtClean="0"/>
-              <a:t>12.10.2018</a:t>
+              <a:t>18.10.2018</a:t>
             </a:fld>
             <a:endParaRPr lang="de-DE"/>
           </a:p>
@@ -2259,7 +2261,7 @@
           <a:p>
             <a:fld id="{E6DC7167-61E9-449F-B13C-3C2862044923}" type="datetimeFigureOut">
               <a:rPr lang="de-DE" smtClean="0"/>
-              <a:t>12.10.2018</a:t>
+              <a:t>18.10.2018</a:t>
             </a:fld>
             <a:endParaRPr lang="de-DE"/>
           </a:p>
@@ -2512,7 +2514,7 @@
           <a:p>
             <a:fld id="{E6DC7167-61E9-449F-B13C-3C2862044923}" type="datetimeFigureOut">
               <a:rPr lang="de-DE" smtClean="0"/>
-              <a:t>12.10.2018</a:t>
+              <a:t>18.10.2018</a:t>
             </a:fld>
             <a:endParaRPr lang="de-DE"/>
           </a:p>
@@ -2725,7 +2727,7 @@
           <a:p>
             <a:fld id="{E6DC7167-61E9-449F-B13C-3C2862044923}" type="datetimeFigureOut">
               <a:rPr lang="de-DE" smtClean="0"/>
-              <a:t>12.10.2018</a:t>
+              <a:t>18.10.2018</a:t>
             </a:fld>
             <a:endParaRPr lang="de-DE"/>
           </a:p>
@@ -3102,7 +3104,7 @@
       </p:grpSpPr>
       <p:pic>
         <p:nvPicPr>
-          <p:cNvPr id="2" name="Picture 2"/>
+          <p:cNvPr id="1026" name="Picture 2"/>
           <p:cNvPicPr>
             <a:picLocks noChangeAspect="1" noChangeArrowheads="1"/>
           </p:cNvPicPr>
@@ -3123,8 +3125,8 @@
         </p:blipFill>
         <p:spPr bwMode="auto">
           <a:xfrm>
-            <a:off x="1972945" y="2003511"/>
-            <a:ext cx="4273550" cy="2800350"/>
+            <a:off x="456115" y="837870"/>
+            <a:ext cx="2792317" cy="2720141"/>
           </a:xfrm>
           <a:prstGeom prst="rect">
             <a:avLst/>
@@ -3154,121 +3156,31 @@
           </a:extLst>
         </p:spPr>
       </p:pic>
-      <p:cxnSp>
-        <p:nvCxnSpPr>
-          <p:cNvPr id="12" name="Gerade Verbindung 11"/>
-          <p:cNvCxnSpPr/>
+      <p:pic>
+        <p:nvPicPr>
+          <p:cNvPr id="1027" name="Picture 3"/>
+          <p:cNvPicPr>
+            <a:picLocks noChangeAspect="1" noChangeArrowheads="1"/>
+          </p:cNvPicPr>
           <p:nvPr/>
-        </p:nvCxnSpPr>
-        <p:spPr>
-          <a:xfrm flipV="1">
-            <a:off x="4967288" y="2518291"/>
-            <a:ext cx="1408112" cy="475810"/>
-          </a:xfrm>
-          <a:prstGeom prst="line">
-            <a:avLst/>
-          </a:prstGeom>
-          <a:ln w="12700">
-            <a:solidFill>
-              <a:srgbClr val="FF0000"/>
-            </a:solidFill>
-          </a:ln>
-        </p:spPr>
-        <p:style>
-          <a:lnRef idx="1">
-            <a:schemeClr val="accent1"/>
-          </a:lnRef>
-          <a:fillRef idx="0">
-            <a:schemeClr val="accent1"/>
-          </a:fillRef>
-          <a:effectRef idx="0">
-            <a:schemeClr val="accent1"/>
-          </a:effectRef>
-          <a:fontRef idx="minor">
-            <a:schemeClr val="tx1"/>
-          </a:fontRef>
-        </p:style>
-      </p:cxnSp>
-      <p:cxnSp>
-        <p:nvCxnSpPr>
-          <p:cNvPr id="14" name="Gerade Verbindung 13"/>
-          <p:cNvCxnSpPr/>
-          <p:nvPr/>
-        </p:nvCxnSpPr>
-        <p:spPr>
-          <a:xfrm flipV="1">
-            <a:off x="5606220" y="3251200"/>
-            <a:ext cx="1023937" cy="192468"/>
-          </a:xfrm>
-          <a:prstGeom prst="line">
-            <a:avLst/>
-          </a:prstGeom>
-          <a:ln w="12700">
-            <a:solidFill>
-              <a:srgbClr val="FF0000"/>
-            </a:solidFill>
-          </a:ln>
-        </p:spPr>
-        <p:style>
-          <a:lnRef idx="1">
-            <a:schemeClr val="accent1"/>
-          </a:lnRef>
-          <a:fillRef idx="0">
-            <a:schemeClr val="accent1"/>
-          </a:fillRef>
-          <a:effectRef idx="0">
-            <a:schemeClr val="accent1"/>
-          </a:effectRef>
-          <a:fontRef idx="minor">
-            <a:schemeClr val="tx1"/>
-          </a:fontRef>
-        </p:style>
-      </p:cxnSp>
-      <p:cxnSp>
-        <p:nvCxnSpPr>
-          <p:cNvPr id="15" name="Gerade Verbindung 14"/>
-          <p:cNvCxnSpPr/>
-          <p:nvPr/>
-        </p:nvCxnSpPr>
-        <p:spPr>
-          <a:xfrm flipV="1">
-            <a:off x="5222558" y="3698240"/>
-            <a:ext cx="1330642" cy="109476"/>
-          </a:xfrm>
-          <a:prstGeom prst="line">
-            <a:avLst/>
-          </a:prstGeom>
-          <a:ln w="12700">
-            <a:solidFill>
-              <a:srgbClr val="FF0000"/>
-            </a:solidFill>
-          </a:ln>
-        </p:spPr>
-        <p:style>
-          <a:lnRef idx="1">
-            <a:schemeClr val="accent1"/>
-          </a:lnRef>
-          <a:fillRef idx="0">
-            <a:schemeClr val="accent1"/>
-          </a:fillRef>
-          <a:effectRef idx="0">
-            <a:schemeClr val="accent1"/>
-          </a:effectRef>
-          <a:fontRef idx="minor">
-            <a:schemeClr val="tx1"/>
-          </a:fontRef>
-        </p:style>
-      </p:cxnSp>
-      <p:sp>
-        <p:nvSpPr>
-          <p:cNvPr id="18" name="Textfeld 17"/>
-          <p:cNvSpPr txBox="1"/>
-          <p:nvPr/>
-        </p:nvSpPr>
-        <p:spPr>
-          <a:xfrm>
-            <a:off x="6433185" y="2326574"/>
-            <a:ext cx="1443037" cy="369332"/>
+        </p:nvPicPr>
+        <p:blipFill>
+          <a:blip r:embed="rId3">
+            <a:extLst>
+              <a:ext uri="{28A0092B-C50C-407E-A947-70E740481C1C}">
+                <a14:useLocalDpi xmlns:a14="http://schemas.microsoft.com/office/drawing/2010/main" val="0"/>
+              </a:ext>
+            </a:extLst>
+          </a:blip>
+          <a:srcRect/>
+          <a:stretch>
+            <a:fillRect/>
+          </a:stretch>
+        </p:blipFill>
+        <p:spPr bwMode="auto">
+          <a:xfrm>
+            <a:off x="3316539" y="837870"/>
+            <a:ext cx="2810705" cy="3009853"/>
           </a:xfrm>
           <a:prstGeom prst="rect">
             <a:avLst/>
@@ -3277,39 +3189,52 @@
           <a:ln>
             <a:noFill/>
           </a:ln>
-        </p:spPr>
-        <p:txBody>
-          <a:bodyPr wrap="square" rtlCol="0">
-            <a:spAutoFit/>
-          </a:bodyPr>
-          <a:lstStyle/>
-          <a:p>
-            <a:r>
-              <a:rPr lang="de-DE" dirty="0" smtClean="0">
-                <a:solidFill>
-                  <a:srgbClr val="FF0000"/>
-                </a:solidFill>
-              </a:rPr>
-              <a:t>Institution</a:t>
-            </a:r>
-            <a:endParaRPr lang="de-DE" dirty="0">
-              <a:solidFill>
-                <a:srgbClr val="FF0000"/>
-              </a:solidFill>
-            </a:endParaRPr>
-          </a:p>
-        </p:txBody>
-      </p:sp>
-      <p:sp>
-        <p:nvSpPr>
-          <p:cNvPr id="20" name="Textfeld 19"/>
-          <p:cNvSpPr txBox="1"/>
+          <a:extLst>
+            <a:ext uri="{909E8E84-426E-40DD-AFC4-6F175D3DCCD1}">
+              <a14:hiddenFill xmlns:a14="http://schemas.microsoft.com/office/drawing/2010/main">
+                <a:solidFill>
+                  <a:schemeClr val="accent1"/>
+                </a:solidFill>
+              </a14:hiddenFill>
+            </a:ext>
+            <a:ext uri="{91240B29-F687-4F45-9708-019B960494DF}">
+              <a14:hiddenLine xmlns:a14="http://schemas.microsoft.com/office/drawing/2010/main" w="9525">
+                <a:solidFill>
+                  <a:schemeClr val="tx1"/>
+                </a:solidFill>
+                <a:miter lim="800000"/>
+                <a:headEnd/>
+                <a:tailEnd/>
+              </a14:hiddenLine>
+            </a:ext>
+          </a:extLst>
+        </p:spPr>
+      </p:pic>
+      <p:pic>
+        <p:nvPicPr>
+          <p:cNvPr id="1030" name="Picture 6"/>
+          <p:cNvPicPr>
+            <a:picLocks noChangeAspect="1" noChangeArrowheads="1"/>
+          </p:cNvPicPr>
           <p:nvPr/>
-        </p:nvSpPr>
-        <p:spPr>
-          <a:xfrm>
-            <a:off x="6642735" y="3106814"/>
-            <a:ext cx="1443037" cy="369332"/>
+        </p:nvPicPr>
+        <p:blipFill>
+          <a:blip r:embed="rId4">
+            <a:extLst>
+              <a:ext uri="{28A0092B-C50C-407E-A947-70E740481C1C}">
+                <a14:useLocalDpi xmlns:a14="http://schemas.microsoft.com/office/drawing/2010/main" val="0"/>
+              </a:ext>
+            </a:extLst>
+          </a:blip>
+          <a:srcRect/>
+          <a:stretch>
+            <a:fillRect/>
+          </a:stretch>
+        </p:blipFill>
+        <p:spPr bwMode="auto">
+          <a:xfrm>
+            <a:off x="6127245" y="837870"/>
+            <a:ext cx="2813904" cy="2629607"/>
           </a:xfrm>
           <a:prstGeom prst="rect">
             <a:avLst/>
@@ -3318,95 +3243,37 @@
           <a:ln>
             <a:noFill/>
           </a:ln>
-        </p:spPr>
-        <p:txBody>
-          <a:bodyPr wrap="square" rtlCol="0">
-            <a:spAutoFit/>
-          </a:bodyPr>
-          <a:lstStyle/>
-          <a:p>
-            <a:r>
-              <a:rPr lang="de-DE" dirty="0" smtClean="0">
-                <a:solidFill>
-                  <a:srgbClr val="FF0000"/>
-                </a:solidFill>
-              </a:rPr>
-              <a:t>Course</a:t>
-            </a:r>
-            <a:endParaRPr lang="de-DE" dirty="0">
-              <a:solidFill>
-                <a:srgbClr val="FF0000"/>
-              </a:solidFill>
-            </a:endParaRPr>
-          </a:p>
-        </p:txBody>
-      </p:sp>
-      <p:sp>
-        <p:nvSpPr>
-          <p:cNvPr id="21" name="Textfeld 20"/>
-          <p:cNvSpPr txBox="1"/>
-          <p:nvPr/>
-        </p:nvSpPr>
-        <p:spPr>
-          <a:xfrm>
-            <a:off x="6642735" y="3512112"/>
-            <a:ext cx="1443037" cy="369332"/>
-          </a:xfrm>
-          <a:prstGeom prst="rect">
-            <a:avLst/>
-          </a:prstGeom>
-          <a:noFill/>
-          <a:ln>
-            <a:noFill/>
-          </a:ln>
-        </p:spPr>
-        <p:txBody>
-          <a:bodyPr wrap="square" rtlCol="0">
-            <a:spAutoFit/>
-          </a:bodyPr>
-          <a:lstStyle/>
-          <a:p>
-            <a:r>
-              <a:rPr lang="de-DE" dirty="0" smtClean="0">
-                <a:solidFill>
-                  <a:srgbClr val="FF0000"/>
-                </a:solidFill>
-              </a:rPr>
-              <a:t>User </a:t>
-            </a:r>
-            <a:r>
-              <a:rPr lang="de-DE" dirty="0" smtClean="0">
-                <a:solidFill>
-                  <a:srgbClr val="FF0000"/>
-                </a:solidFill>
-              </a:rPr>
-              <a:t>type</a:t>
-            </a:r>
-            <a:endParaRPr lang="de-DE" dirty="0">
-              <a:solidFill>
-                <a:srgbClr val="FF0000"/>
-              </a:solidFill>
-            </a:endParaRPr>
-          </a:p>
-        </p:txBody>
-      </p:sp>
+          <a:extLst>
+            <a:ext uri="{909E8E84-426E-40DD-AFC4-6F175D3DCCD1}">
+              <a14:hiddenFill xmlns:a14="http://schemas.microsoft.com/office/drawing/2010/main">
+                <a:solidFill>
+                  <a:schemeClr val="accent1"/>
+                </a:solidFill>
+              </a14:hiddenFill>
+            </a:ext>
+            <a:ext uri="{91240B29-F687-4F45-9708-019B960494DF}">
+              <a14:hiddenLine xmlns:a14="http://schemas.microsoft.com/office/drawing/2010/main" w="9525">
+                <a:solidFill>
+                  <a:schemeClr val="tx1"/>
+                </a:solidFill>
+                <a:miter lim="800000"/>
+                <a:headEnd/>
+                <a:tailEnd/>
+              </a14:hiddenLine>
+            </a:ext>
+          </a:extLst>
+        </p:spPr>
+      </p:pic>
     </p:spTree>
     <p:extLst>
       <p:ext uri="{BB962C8B-B14F-4D97-AF65-F5344CB8AC3E}">
-        <p14:creationId xmlns:p14="http://schemas.microsoft.com/office/powerpoint/2010/main" val="1126359867"/>
+        <p14:creationId xmlns:p14="http://schemas.microsoft.com/office/powerpoint/2010/main" val="2968378696"/>
       </p:ext>
     </p:extLst>
   </p:cSld>
   <p:clrMapOvr>
     <a:masterClrMapping/>
   </p:clrMapOvr>
-  <p:timing>
-    <p:tnLst>
-      <p:par>
-        <p:cTn id="1" dur="indefinite" restart="never" nodeType="tmRoot"/>
-      </p:par>
-    </p:tnLst>
-  </p:timing>
 </p:sld>
 </file>
 
@@ -3450,8 +3317,8 @@
         </p:blipFill>
         <p:spPr bwMode="auto">
           <a:xfrm>
-            <a:off x="931556" y="1119868"/>
-            <a:ext cx="7401537" cy="4116161"/>
+            <a:off x="201677" y="640438"/>
+            <a:ext cx="2793600" cy="2412451"/>
           </a:xfrm>
           <a:prstGeom prst="rect">
             <a:avLst/>
@@ -3481,1440 +3348,124 @@
           </a:extLst>
         </p:spPr>
       </p:pic>
-      <p:sp>
-        <p:nvSpPr>
-          <p:cNvPr id="4" name="Rechteck 3"/>
-          <p:cNvSpPr/>
+      <p:pic>
+        <p:nvPicPr>
+          <p:cNvPr id="5" name="Picture 4"/>
+          <p:cNvPicPr>
+            <a:picLocks noChangeAspect="1" noChangeArrowheads="1"/>
+          </p:cNvPicPr>
           <p:nvPr/>
-        </p:nvSpPr>
-        <p:spPr>
-          <a:xfrm>
-            <a:off x="6506369" y="1119868"/>
-            <a:ext cx="328612" cy="261257"/>
+        </p:nvPicPr>
+        <p:blipFill>
+          <a:blip r:embed="rId3">
+            <a:extLst>
+              <a:ext uri="{28A0092B-C50C-407E-A947-70E740481C1C}">
+                <a14:useLocalDpi xmlns:a14="http://schemas.microsoft.com/office/drawing/2010/main" val="0"/>
+              </a:ext>
+            </a:extLst>
+          </a:blip>
+          <a:srcRect/>
+          <a:stretch>
+            <a:fillRect/>
+          </a:stretch>
+        </p:blipFill>
+        <p:spPr bwMode="auto">
+          <a:xfrm>
+            <a:off x="2995277" y="640438"/>
+            <a:ext cx="2911772" cy="2723612"/>
           </a:xfrm>
           <a:prstGeom prst="rect">
             <a:avLst/>
           </a:prstGeom>
           <a:noFill/>
           <a:ln>
-            <a:solidFill>
-              <a:srgbClr val="FF0000"/>
-            </a:solidFill>
+            <a:noFill/>
           </a:ln>
-        </p:spPr>
-        <p:style>
-          <a:lnRef idx="2">
-            <a:schemeClr val="accent1">
-              <a:shade val="50000"/>
-            </a:schemeClr>
-          </a:lnRef>
-          <a:fillRef idx="1">
-            <a:schemeClr val="accent1"/>
-          </a:fillRef>
-          <a:effectRef idx="0">
-            <a:schemeClr val="accent1"/>
-          </a:effectRef>
-          <a:fontRef idx="minor">
-            <a:schemeClr val="lt1"/>
-          </a:fontRef>
-        </p:style>
-        <p:txBody>
-          <a:bodyPr rtlCol="0" anchor="ctr"/>
-          <a:lstStyle/>
-          <a:p>
-            <a:pPr algn="ctr"/>
-            <a:endParaRPr lang="de-DE"/>
-          </a:p>
-        </p:txBody>
-      </p:sp>
-      <p:sp>
-        <p:nvSpPr>
-          <p:cNvPr id="6" name="Rechteck 5"/>
-          <p:cNvSpPr/>
+          <a:extLst>
+            <a:ext uri="{909E8E84-426E-40DD-AFC4-6F175D3DCCD1}">
+              <a14:hiddenFill xmlns:a14="http://schemas.microsoft.com/office/drawing/2010/main">
+                <a:solidFill>
+                  <a:schemeClr val="accent1"/>
+                </a:solidFill>
+              </a14:hiddenFill>
+            </a:ext>
+            <a:ext uri="{91240B29-F687-4F45-9708-019B960494DF}">
+              <a14:hiddenLine xmlns:a14="http://schemas.microsoft.com/office/drawing/2010/main" w="9525">
+                <a:solidFill>
+                  <a:schemeClr val="tx1"/>
+                </a:solidFill>
+                <a:miter lim="800000"/>
+                <a:headEnd/>
+                <a:tailEnd/>
+              </a14:hiddenLine>
+            </a:ext>
+          </a:extLst>
+        </p:spPr>
+      </p:pic>
+      <p:pic>
+        <p:nvPicPr>
+          <p:cNvPr id="6" name="Picture 5"/>
+          <p:cNvPicPr>
+            <a:picLocks noChangeAspect="1" noChangeArrowheads="1"/>
+          </p:cNvPicPr>
           <p:nvPr/>
-        </p:nvSpPr>
-        <p:spPr>
-          <a:xfrm>
-            <a:off x="6834190" y="1119868"/>
-            <a:ext cx="319879" cy="261257"/>
+        </p:nvPicPr>
+        <p:blipFill>
+          <a:blip r:embed="rId4">
+            <a:extLst>
+              <a:ext uri="{28A0092B-C50C-407E-A947-70E740481C1C}">
+                <a14:useLocalDpi xmlns:a14="http://schemas.microsoft.com/office/drawing/2010/main" val="0"/>
+              </a:ext>
+            </a:extLst>
+          </a:blip>
+          <a:srcRect/>
+          <a:stretch>
+            <a:fillRect/>
+          </a:stretch>
+        </p:blipFill>
+        <p:spPr bwMode="auto">
+          <a:xfrm>
+            <a:off x="5881073" y="640438"/>
+            <a:ext cx="2834434" cy="2725066"/>
           </a:xfrm>
           <a:prstGeom prst="rect">
             <a:avLst/>
           </a:prstGeom>
           <a:noFill/>
           <a:ln>
-            <a:solidFill>
-              <a:srgbClr val="FF0000"/>
-            </a:solidFill>
+            <a:noFill/>
           </a:ln>
-        </p:spPr>
-        <p:style>
-          <a:lnRef idx="2">
-            <a:schemeClr val="accent1">
-              <a:shade val="50000"/>
-            </a:schemeClr>
-          </a:lnRef>
-          <a:fillRef idx="1">
-            <a:schemeClr val="accent1"/>
-          </a:fillRef>
-          <a:effectRef idx="0">
-            <a:schemeClr val="accent1"/>
-          </a:effectRef>
-          <a:fontRef idx="minor">
-            <a:schemeClr val="lt1"/>
-          </a:fontRef>
-        </p:style>
-        <p:txBody>
-          <a:bodyPr rtlCol="0" anchor="ctr"/>
-          <a:lstStyle/>
-          <a:p>
-            <a:pPr algn="ctr"/>
-            <a:endParaRPr lang="de-DE"/>
-          </a:p>
-        </p:txBody>
-      </p:sp>
-      <p:sp>
-        <p:nvSpPr>
-          <p:cNvPr id="7" name="Rechteck 6"/>
-          <p:cNvSpPr/>
-          <p:nvPr/>
-        </p:nvSpPr>
-        <p:spPr>
-          <a:xfrm>
-            <a:off x="7153277" y="1119867"/>
-            <a:ext cx="280987" cy="261257"/>
-          </a:xfrm>
-          <a:prstGeom prst="rect">
-            <a:avLst/>
-          </a:prstGeom>
-          <a:noFill/>
-          <a:ln>
-            <a:solidFill>
-              <a:srgbClr val="FF0000"/>
-            </a:solidFill>
-          </a:ln>
-        </p:spPr>
-        <p:style>
-          <a:lnRef idx="2">
-            <a:schemeClr val="accent1">
-              <a:shade val="50000"/>
-            </a:schemeClr>
-          </a:lnRef>
-          <a:fillRef idx="1">
-            <a:schemeClr val="accent1"/>
-          </a:fillRef>
-          <a:effectRef idx="0">
-            <a:schemeClr val="accent1"/>
-          </a:effectRef>
-          <a:fontRef idx="minor">
-            <a:schemeClr val="lt1"/>
-          </a:fontRef>
-        </p:style>
-        <p:txBody>
-          <a:bodyPr rtlCol="0" anchor="ctr"/>
-          <a:lstStyle/>
-          <a:p>
-            <a:pPr algn="ctr"/>
-            <a:endParaRPr lang="de-DE"/>
-          </a:p>
-        </p:txBody>
-      </p:sp>
-      <p:sp>
-        <p:nvSpPr>
-          <p:cNvPr id="8" name="Rechteck 7"/>
-          <p:cNvSpPr/>
-          <p:nvPr/>
-        </p:nvSpPr>
-        <p:spPr>
-          <a:xfrm>
-            <a:off x="7450931" y="1119868"/>
-            <a:ext cx="854119" cy="261257"/>
-          </a:xfrm>
-          <a:prstGeom prst="rect">
-            <a:avLst/>
-          </a:prstGeom>
-          <a:noFill/>
-          <a:ln>
-            <a:solidFill>
-              <a:srgbClr val="FF0000"/>
-            </a:solidFill>
-          </a:ln>
-        </p:spPr>
-        <p:style>
-          <a:lnRef idx="2">
-            <a:schemeClr val="accent1">
-              <a:shade val="50000"/>
-            </a:schemeClr>
-          </a:lnRef>
-          <a:fillRef idx="1">
-            <a:schemeClr val="accent1"/>
-          </a:fillRef>
-          <a:effectRef idx="0">
-            <a:schemeClr val="accent1"/>
-          </a:effectRef>
-          <a:fontRef idx="minor">
-            <a:schemeClr val="lt1"/>
-          </a:fontRef>
-        </p:style>
-        <p:txBody>
-          <a:bodyPr rtlCol="0" anchor="ctr"/>
-          <a:lstStyle/>
-          <a:p>
-            <a:pPr algn="ctr"/>
-            <a:endParaRPr lang="de-DE"/>
-          </a:p>
-        </p:txBody>
-      </p:sp>
-      <p:sp>
-        <p:nvSpPr>
-          <p:cNvPr id="5" name="Rechteck 4"/>
-          <p:cNvSpPr/>
-          <p:nvPr/>
-        </p:nvSpPr>
-        <p:spPr>
-          <a:xfrm>
-            <a:off x="7517606" y="1202531"/>
-            <a:ext cx="638175" cy="92869"/>
-          </a:xfrm>
-          <a:prstGeom prst="rect">
-            <a:avLst/>
-          </a:prstGeom>
-          <a:solidFill>
-            <a:schemeClr val="tx1"/>
-          </a:solidFill>
-          <a:ln>
-            <a:solidFill>
-              <a:schemeClr val="tx1"/>
-            </a:solidFill>
-          </a:ln>
-        </p:spPr>
-        <p:style>
-          <a:lnRef idx="2">
-            <a:schemeClr val="accent1">
-              <a:shade val="50000"/>
-            </a:schemeClr>
-          </a:lnRef>
-          <a:fillRef idx="1">
-            <a:schemeClr val="accent1"/>
-          </a:fillRef>
-          <a:effectRef idx="0">
-            <a:schemeClr val="accent1"/>
-          </a:effectRef>
-          <a:fontRef idx="minor">
-            <a:schemeClr val="lt1"/>
-          </a:fontRef>
-        </p:style>
-        <p:txBody>
-          <a:bodyPr rtlCol="0" anchor="ctr"/>
-          <a:lstStyle/>
-          <a:p>
-            <a:pPr algn="ctr"/>
-            <a:endParaRPr lang="de-DE"/>
-          </a:p>
-        </p:txBody>
-      </p:sp>
-      <p:cxnSp>
-        <p:nvCxnSpPr>
-          <p:cNvPr id="10" name="Gerade Verbindung 9"/>
-          <p:cNvCxnSpPr>
-            <a:stCxn id="4" idx="1"/>
-          </p:cNvCxnSpPr>
-          <p:nvPr/>
-        </p:nvCxnSpPr>
-        <p:spPr>
-          <a:xfrm flipH="1" flipV="1">
-            <a:off x="6003925" y="1248965"/>
-            <a:ext cx="502444" cy="1532"/>
-          </a:xfrm>
-          <a:prstGeom prst="line">
-            <a:avLst/>
-          </a:prstGeom>
-          <a:ln w="12700">
-            <a:solidFill>
-              <a:srgbClr val="FF0000"/>
-            </a:solidFill>
-          </a:ln>
-        </p:spPr>
-        <p:style>
-          <a:lnRef idx="1">
-            <a:schemeClr val="accent1"/>
-          </a:lnRef>
-          <a:fillRef idx="0">
-            <a:schemeClr val="accent1"/>
-          </a:fillRef>
-          <a:effectRef idx="0">
-            <a:schemeClr val="accent1"/>
-          </a:effectRef>
-          <a:fontRef idx="minor">
-            <a:schemeClr val="tx1"/>
-          </a:fontRef>
-        </p:style>
-      </p:cxnSp>
-      <p:cxnSp>
-        <p:nvCxnSpPr>
-          <p:cNvPr id="12" name="Gerade Verbindung 11"/>
-          <p:cNvCxnSpPr>
-            <a:stCxn id="6" idx="2"/>
-          </p:cNvCxnSpPr>
-          <p:nvPr/>
-        </p:nvCxnSpPr>
-        <p:spPr>
-          <a:xfrm flipH="1">
-            <a:off x="6013450" y="1381125"/>
-            <a:ext cx="980680" cy="257175"/>
-          </a:xfrm>
-          <a:prstGeom prst="line">
-            <a:avLst/>
-          </a:prstGeom>
-          <a:ln w="12700">
-            <a:solidFill>
-              <a:srgbClr val="FF0000"/>
-            </a:solidFill>
-          </a:ln>
-        </p:spPr>
-        <p:style>
-          <a:lnRef idx="1">
-            <a:schemeClr val="accent1"/>
-          </a:lnRef>
-          <a:fillRef idx="0">
-            <a:schemeClr val="accent1"/>
-          </a:fillRef>
-          <a:effectRef idx="0">
-            <a:schemeClr val="accent1"/>
-          </a:effectRef>
-          <a:fontRef idx="minor">
-            <a:schemeClr val="tx1"/>
-          </a:fontRef>
-        </p:style>
-      </p:cxnSp>
-      <p:cxnSp>
-        <p:nvCxnSpPr>
-          <p:cNvPr id="14" name="Gerade Verbindung 13"/>
-          <p:cNvCxnSpPr>
-            <a:stCxn id="7" idx="2"/>
-          </p:cNvCxnSpPr>
-          <p:nvPr/>
-        </p:nvCxnSpPr>
-        <p:spPr>
-          <a:xfrm flipH="1">
-            <a:off x="6045996" y="1381124"/>
-            <a:ext cx="1247775" cy="738189"/>
-          </a:xfrm>
-          <a:prstGeom prst="line">
-            <a:avLst/>
-          </a:prstGeom>
-          <a:ln w="12700">
-            <a:solidFill>
-              <a:srgbClr val="FF0000"/>
-            </a:solidFill>
-          </a:ln>
-        </p:spPr>
-        <p:style>
-          <a:lnRef idx="1">
-            <a:schemeClr val="accent1"/>
-          </a:lnRef>
-          <a:fillRef idx="0">
-            <a:schemeClr val="accent1"/>
-          </a:fillRef>
-          <a:effectRef idx="0">
-            <a:schemeClr val="accent1"/>
-          </a:effectRef>
-          <a:fontRef idx="minor">
-            <a:schemeClr val="tx1"/>
-          </a:fontRef>
-        </p:style>
-      </p:cxnSp>
-      <p:cxnSp>
-        <p:nvCxnSpPr>
-          <p:cNvPr id="15" name="Gerade Verbindung 14"/>
-          <p:cNvCxnSpPr>
-            <a:stCxn id="8" idx="2"/>
-          </p:cNvCxnSpPr>
-          <p:nvPr/>
-        </p:nvCxnSpPr>
-        <p:spPr>
-          <a:xfrm flipH="1">
-            <a:off x="6005513" y="1381125"/>
-            <a:ext cx="1872478" cy="1023938"/>
-          </a:xfrm>
-          <a:prstGeom prst="line">
-            <a:avLst/>
-          </a:prstGeom>
-          <a:ln w="12700">
-            <a:solidFill>
-              <a:srgbClr val="FF0000"/>
-            </a:solidFill>
-          </a:ln>
-        </p:spPr>
-        <p:style>
-          <a:lnRef idx="1">
-            <a:schemeClr val="accent1"/>
-          </a:lnRef>
-          <a:fillRef idx="0">
-            <a:schemeClr val="accent1"/>
-          </a:fillRef>
-          <a:effectRef idx="0">
-            <a:schemeClr val="accent1"/>
-          </a:effectRef>
-          <a:fontRef idx="minor">
-            <a:schemeClr val="tx1"/>
-          </a:fontRef>
-        </p:style>
-      </p:cxnSp>
-      <p:sp>
-        <p:nvSpPr>
-          <p:cNvPr id="19" name="Textfeld 18"/>
-          <p:cNvSpPr txBox="1"/>
-          <p:nvPr/>
-        </p:nvSpPr>
-        <p:spPr>
-          <a:xfrm>
-            <a:off x="4243388" y="1062037"/>
-            <a:ext cx="1728787" cy="369332"/>
-          </a:xfrm>
-          <a:prstGeom prst="rect">
-            <a:avLst/>
-          </a:prstGeom>
-          <a:noFill/>
-        </p:spPr>
-        <p:txBody>
-          <a:bodyPr wrap="square" rtlCol="0">
-            <a:spAutoFit/>
-          </a:bodyPr>
-          <a:lstStyle/>
-          <a:p>
-            <a:pPr algn="r"/>
-            <a:r>
-              <a:rPr lang="de-DE" dirty="0" err="1" smtClean="0">
-                <a:solidFill>
-                  <a:srgbClr val="FF0000"/>
-                </a:solidFill>
-              </a:rPr>
-              <a:t>Lecture</a:t>
-            </a:r>
-            <a:r>
-              <a:rPr lang="de-DE" dirty="0" smtClean="0">
-                <a:solidFill>
-                  <a:srgbClr val="FF0000"/>
-                </a:solidFill>
-              </a:rPr>
-              <a:t> </a:t>
-            </a:r>
-            <a:r>
-              <a:rPr lang="de-DE" dirty="0" err="1" smtClean="0">
-                <a:solidFill>
-                  <a:srgbClr val="FF0000"/>
-                </a:solidFill>
-              </a:rPr>
-              <a:t>mode</a:t>
-            </a:r>
-            <a:endParaRPr lang="de-DE" dirty="0">
-              <a:solidFill>
-                <a:srgbClr val="FF0000"/>
-              </a:solidFill>
-            </a:endParaRPr>
-          </a:p>
-        </p:txBody>
-      </p:sp>
-      <p:sp>
-        <p:nvSpPr>
-          <p:cNvPr id="21" name="Textfeld 20"/>
-          <p:cNvSpPr txBox="1"/>
-          <p:nvPr/>
-        </p:nvSpPr>
-        <p:spPr>
-          <a:xfrm>
-            <a:off x="4243388" y="1453634"/>
-            <a:ext cx="1728787" cy="369332"/>
-          </a:xfrm>
-          <a:prstGeom prst="rect">
-            <a:avLst/>
-          </a:prstGeom>
-          <a:noFill/>
-        </p:spPr>
-        <p:txBody>
-          <a:bodyPr wrap="square" rtlCol="0">
-            <a:spAutoFit/>
-          </a:bodyPr>
-          <a:lstStyle/>
-          <a:p>
-            <a:pPr algn="r"/>
-            <a:r>
-              <a:rPr lang="de-DE" dirty="0" err="1" smtClean="0">
-                <a:solidFill>
-                  <a:srgbClr val="FF0000"/>
-                </a:solidFill>
-              </a:rPr>
-              <a:t>Overview</a:t>
-            </a:r>
-            <a:endParaRPr lang="de-DE" dirty="0">
-              <a:solidFill>
-                <a:srgbClr val="FF0000"/>
-              </a:solidFill>
-            </a:endParaRPr>
-          </a:p>
-        </p:txBody>
-      </p:sp>
-      <p:sp>
-        <p:nvSpPr>
-          <p:cNvPr id="22" name="Textfeld 21"/>
-          <p:cNvSpPr txBox="1"/>
-          <p:nvPr/>
-        </p:nvSpPr>
-        <p:spPr>
-          <a:xfrm>
-            <a:off x="4276726" y="1934647"/>
-            <a:ext cx="1728787" cy="369332"/>
-          </a:xfrm>
-          <a:prstGeom prst="rect">
-            <a:avLst/>
-          </a:prstGeom>
-          <a:noFill/>
-        </p:spPr>
-        <p:txBody>
-          <a:bodyPr wrap="square" rtlCol="0">
-            <a:spAutoFit/>
-          </a:bodyPr>
-          <a:lstStyle/>
-          <a:p>
-            <a:pPr algn="r"/>
-            <a:r>
-              <a:rPr lang="de-DE" dirty="0" err="1" smtClean="0">
-                <a:solidFill>
-                  <a:srgbClr val="FF0000"/>
-                </a:solidFill>
-              </a:rPr>
-              <a:t>Editing</a:t>
-            </a:r>
-            <a:r>
-              <a:rPr lang="de-DE" dirty="0" smtClean="0">
-                <a:solidFill>
-                  <a:srgbClr val="FF0000"/>
-                </a:solidFill>
-              </a:rPr>
-              <a:t> </a:t>
-            </a:r>
-            <a:r>
-              <a:rPr lang="de-DE" dirty="0" err="1" smtClean="0">
-                <a:solidFill>
-                  <a:srgbClr val="FF0000"/>
-                </a:solidFill>
-              </a:rPr>
-              <a:t>mode</a:t>
-            </a:r>
-            <a:endParaRPr lang="de-DE" dirty="0">
-              <a:solidFill>
-                <a:srgbClr val="FF0000"/>
-              </a:solidFill>
-            </a:endParaRPr>
-          </a:p>
-        </p:txBody>
-      </p:sp>
-      <p:sp>
-        <p:nvSpPr>
-          <p:cNvPr id="23" name="Textfeld 22"/>
-          <p:cNvSpPr txBox="1"/>
-          <p:nvPr/>
-        </p:nvSpPr>
-        <p:spPr>
-          <a:xfrm>
-            <a:off x="4276726" y="2220397"/>
-            <a:ext cx="1728787" cy="369332"/>
-          </a:xfrm>
-          <a:prstGeom prst="rect">
-            <a:avLst/>
-          </a:prstGeom>
-          <a:noFill/>
-        </p:spPr>
-        <p:txBody>
-          <a:bodyPr wrap="square" rtlCol="0">
-            <a:spAutoFit/>
-          </a:bodyPr>
-          <a:lstStyle/>
-          <a:p>
-            <a:pPr algn="r"/>
-            <a:r>
-              <a:rPr lang="de-DE" dirty="0" smtClean="0">
-                <a:solidFill>
-                  <a:srgbClr val="FF0000"/>
-                </a:solidFill>
-              </a:rPr>
-              <a:t>Drop down</a:t>
-            </a:r>
-            <a:endParaRPr lang="de-DE" dirty="0">
-              <a:solidFill>
-                <a:srgbClr val="FF0000"/>
-              </a:solidFill>
-            </a:endParaRPr>
-          </a:p>
-        </p:txBody>
-      </p:sp>
-      <p:sp>
-        <p:nvSpPr>
-          <p:cNvPr id="20" name="Rechteck 19"/>
-          <p:cNvSpPr/>
-          <p:nvPr/>
-        </p:nvSpPr>
-        <p:spPr>
-          <a:xfrm>
-            <a:off x="5793584" y="3257550"/>
-            <a:ext cx="190500" cy="192881"/>
-          </a:xfrm>
-          <a:prstGeom prst="rect">
-            <a:avLst/>
-          </a:prstGeom>
-          <a:noFill/>
-          <a:ln>
-            <a:solidFill>
-              <a:srgbClr val="FF0000"/>
-            </a:solidFill>
-          </a:ln>
-        </p:spPr>
-        <p:style>
-          <a:lnRef idx="2">
-            <a:schemeClr val="accent1">
-              <a:shade val="50000"/>
-            </a:schemeClr>
-          </a:lnRef>
-          <a:fillRef idx="1">
-            <a:schemeClr val="accent1"/>
-          </a:fillRef>
-          <a:effectRef idx="0">
-            <a:schemeClr val="accent1"/>
-          </a:effectRef>
-          <a:fontRef idx="minor">
-            <a:schemeClr val="lt1"/>
-          </a:fontRef>
-        </p:style>
-        <p:txBody>
-          <a:bodyPr rtlCol="0" anchor="ctr"/>
-          <a:lstStyle/>
-          <a:p>
-            <a:pPr algn="ctr"/>
-            <a:endParaRPr lang="de-DE"/>
-          </a:p>
-        </p:txBody>
-      </p:sp>
-      <p:sp>
-        <p:nvSpPr>
-          <p:cNvPr id="25" name="Rechteck 24"/>
-          <p:cNvSpPr/>
-          <p:nvPr/>
-        </p:nvSpPr>
-        <p:spPr>
-          <a:xfrm>
-            <a:off x="5793584" y="3607593"/>
-            <a:ext cx="190500" cy="192881"/>
-          </a:xfrm>
-          <a:prstGeom prst="rect">
-            <a:avLst/>
-          </a:prstGeom>
-          <a:noFill/>
-          <a:ln>
-            <a:solidFill>
-              <a:srgbClr val="FF0000"/>
-            </a:solidFill>
-          </a:ln>
-        </p:spPr>
-        <p:style>
-          <a:lnRef idx="2">
-            <a:schemeClr val="accent1">
-              <a:shade val="50000"/>
-            </a:schemeClr>
-          </a:lnRef>
-          <a:fillRef idx="1">
-            <a:schemeClr val="accent1"/>
-          </a:fillRef>
-          <a:effectRef idx="0">
-            <a:schemeClr val="accent1"/>
-          </a:effectRef>
-          <a:fontRef idx="minor">
-            <a:schemeClr val="lt1"/>
-          </a:fontRef>
-        </p:style>
-        <p:txBody>
-          <a:bodyPr rtlCol="0" anchor="ctr"/>
-          <a:lstStyle/>
-          <a:p>
-            <a:pPr algn="ctr"/>
-            <a:endParaRPr lang="de-DE"/>
-          </a:p>
-        </p:txBody>
-      </p:sp>
-      <p:sp>
-        <p:nvSpPr>
-          <p:cNvPr id="26" name="Rechteck 25"/>
-          <p:cNvSpPr/>
-          <p:nvPr/>
-        </p:nvSpPr>
-        <p:spPr>
-          <a:xfrm>
-            <a:off x="5995990" y="2897982"/>
-            <a:ext cx="335756" cy="192881"/>
-          </a:xfrm>
-          <a:prstGeom prst="rect">
-            <a:avLst/>
-          </a:prstGeom>
-          <a:noFill/>
-          <a:ln>
-            <a:solidFill>
-              <a:srgbClr val="FF0000"/>
-            </a:solidFill>
-          </a:ln>
-        </p:spPr>
-        <p:style>
-          <a:lnRef idx="2">
-            <a:schemeClr val="accent1">
-              <a:shade val="50000"/>
-            </a:schemeClr>
-          </a:lnRef>
-          <a:fillRef idx="1">
-            <a:schemeClr val="accent1"/>
-          </a:fillRef>
-          <a:effectRef idx="0">
-            <a:schemeClr val="accent1"/>
-          </a:effectRef>
-          <a:fontRef idx="minor">
-            <a:schemeClr val="lt1"/>
-          </a:fontRef>
-        </p:style>
-        <p:txBody>
-          <a:bodyPr rtlCol="0" anchor="ctr"/>
-          <a:lstStyle/>
-          <a:p>
-            <a:pPr algn="ctr"/>
-            <a:endParaRPr lang="de-DE"/>
-          </a:p>
-        </p:txBody>
-      </p:sp>
-      <p:sp>
-        <p:nvSpPr>
-          <p:cNvPr id="27" name="Rechteck 26"/>
-          <p:cNvSpPr/>
-          <p:nvPr/>
-        </p:nvSpPr>
-        <p:spPr>
-          <a:xfrm>
-            <a:off x="6588922" y="3257550"/>
-            <a:ext cx="190500" cy="192881"/>
-          </a:xfrm>
-          <a:prstGeom prst="rect">
-            <a:avLst/>
-          </a:prstGeom>
-          <a:noFill/>
-          <a:ln>
-            <a:solidFill>
-              <a:srgbClr val="FF0000"/>
-            </a:solidFill>
-          </a:ln>
-        </p:spPr>
-        <p:style>
-          <a:lnRef idx="2">
-            <a:schemeClr val="accent1">
-              <a:shade val="50000"/>
-            </a:schemeClr>
-          </a:lnRef>
-          <a:fillRef idx="1">
-            <a:schemeClr val="accent1"/>
-          </a:fillRef>
-          <a:effectRef idx="0">
-            <a:schemeClr val="accent1"/>
-          </a:effectRef>
-          <a:fontRef idx="minor">
-            <a:schemeClr val="lt1"/>
-          </a:fontRef>
-        </p:style>
-        <p:txBody>
-          <a:bodyPr rtlCol="0" anchor="ctr"/>
-          <a:lstStyle/>
-          <a:p>
-            <a:pPr algn="ctr"/>
-            <a:endParaRPr lang="de-DE"/>
-          </a:p>
-        </p:txBody>
-      </p:sp>
-      <p:sp>
-        <p:nvSpPr>
-          <p:cNvPr id="28" name="Rechteck 27"/>
-          <p:cNvSpPr/>
-          <p:nvPr/>
-        </p:nvSpPr>
-        <p:spPr>
-          <a:xfrm>
-            <a:off x="6738940" y="3612356"/>
-            <a:ext cx="190500" cy="192881"/>
-          </a:xfrm>
-          <a:prstGeom prst="rect">
-            <a:avLst/>
-          </a:prstGeom>
-          <a:noFill/>
-          <a:ln>
-            <a:solidFill>
-              <a:srgbClr val="FF0000"/>
-            </a:solidFill>
-          </a:ln>
-        </p:spPr>
-        <p:style>
-          <a:lnRef idx="2">
-            <a:schemeClr val="accent1">
-              <a:shade val="50000"/>
-            </a:schemeClr>
-          </a:lnRef>
-          <a:fillRef idx="1">
-            <a:schemeClr val="accent1"/>
-          </a:fillRef>
-          <a:effectRef idx="0">
-            <a:schemeClr val="accent1"/>
-          </a:effectRef>
-          <a:fontRef idx="minor">
-            <a:schemeClr val="lt1"/>
-          </a:fontRef>
-        </p:style>
-        <p:txBody>
-          <a:bodyPr rtlCol="0" anchor="ctr"/>
-          <a:lstStyle/>
-          <a:p>
-            <a:pPr algn="ctr"/>
-            <a:endParaRPr lang="de-DE"/>
-          </a:p>
-        </p:txBody>
-      </p:sp>
-      <p:sp>
-        <p:nvSpPr>
-          <p:cNvPr id="29" name="Rechteck 28"/>
-          <p:cNvSpPr/>
-          <p:nvPr/>
-        </p:nvSpPr>
-        <p:spPr>
-          <a:xfrm>
-            <a:off x="7217571" y="3626644"/>
-            <a:ext cx="190500" cy="192881"/>
-          </a:xfrm>
-          <a:prstGeom prst="rect">
-            <a:avLst/>
-          </a:prstGeom>
-          <a:noFill/>
-          <a:ln>
-            <a:solidFill>
-              <a:srgbClr val="FF0000"/>
-            </a:solidFill>
-          </a:ln>
-        </p:spPr>
-        <p:style>
-          <a:lnRef idx="2">
-            <a:schemeClr val="accent1">
-              <a:shade val="50000"/>
-            </a:schemeClr>
-          </a:lnRef>
-          <a:fillRef idx="1">
-            <a:schemeClr val="accent1"/>
-          </a:fillRef>
-          <a:effectRef idx="0">
-            <a:schemeClr val="accent1"/>
-          </a:effectRef>
-          <a:fontRef idx="minor">
-            <a:schemeClr val="lt1"/>
-          </a:fontRef>
-        </p:style>
-        <p:txBody>
-          <a:bodyPr rtlCol="0" anchor="ctr"/>
-          <a:lstStyle/>
-          <a:p>
-            <a:pPr algn="ctr"/>
-            <a:endParaRPr lang="de-DE"/>
-          </a:p>
-        </p:txBody>
-      </p:sp>
-      <p:cxnSp>
-        <p:nvCxnSpPr>
-          <p:cNvPr id="30" name="Gerade Verbindung 29"/>
-          <p:cNvCxnSpPr>
-            <a:stCxn id="26" idx="1"/>
-          </p:cNvCxnSpPr>
-          <p:nvPr/>
-        </p:nvCxnSpPr>
-        <p:spPr>
-          <a:xfrm flipH="1">
-            <a:off x="4440240" y="2994423"/>
-            <a:ext cx="1555750" cy="974327"/>
-          </a:xfrm>
-          <a:prstGeom prst="line">
-            <a:avLst/>
-          </a:prstGeom>
-          <a:ln w="12700">
-            <a:solidFill>
-              <a:srgbClr val="FF0000"/>
-            </a:solidFill>
-          </a:ln>
-        </p:spPr>
-        <p:style>
-          <a:lnRef idx="1">
-            <a:schemeClr val="accent1"/>
-          </a:lnRef>
-          <a:fillRef idx="0">
-            <a:schemeClr val="accent1"/>
-          </a:fillRef>
-          <a:effectRef idx="0">
-            <a:schemeClr val="accent1"/>
-          </a:effectRef>
-          <a:fontRef idx="minor">
-            <a:schemeClr val="tx1"/>
-          </a:fontRef>
-        </p:style>
-      </p:cxnSp>
-      <p:cxnSp>
-        <p:nvCxnSpPr>
-          <p:cNvPr id="32" name="Gerade Verbindung 31"/>
-          <p:cNvCxnSpPr>
-            <a:stCxn id="20" idx="1"/>
-            <a:endCxn id="49" idx="3"/>
-          </p:cNvCxnSpPr>
-          <p:nvPr/>
-        </p:nvCxnSpPr>
-        <p:spPr>
-          <a:xfrm flipH="1">
-            <a:off x="4416425" y="3353991"/>
-            <a:ext cx="1377159" cy="923247"/>
-          </a:xfrm>
-          <a:prstGeom prst="line">
-            <a:avLst/>
-          </a:prstGeom>
-          <a:ln w="12700">
-            <a:solidFill>
-              <a:srgbClr val="FF0000"/>
-            </a:solidFill>
-          </a:ln>
-        </p:spPr>
-        <p:style>
-          <a:lnRef idx="1">
-            <a:schemeClr val="accent1"/>
-          </a:lnRef>
-          <a:fillRef idx="0">
-            <a:schemeClr val="accent1"/>
-          </a:fillRef>
-          <a:effectRef idx="0">
-            <a:schemeClr val="accent1"/>
-          </a:effectRef>
-          <a:fontRef idx="minor">
-            <a:schemeClr val="tx1"/>
-          </a:fontRef>
-        </p:style>
-      </p:cxnSp>
-      <p:cxnSp>
-        <p:nvCxnSpPr>
-          <p:cNvPr id="34" name="Gerade Verbindung 33"/>
-          <p:cNvCxnSpPr>
-            <a:stCxn id="25" idx="1"/>
-            <a:endCxn id="50" idx="3"/>
-          </p:cNvCxnSpPr>
-          <p:nvPr/>
-        </p:nvCxnSpPr>
-        <p:spPr>
-          <a:xfrm flipH="1">
-            <a:off x="4416425" y="3704034"/>
-            <a:ext cx="1377159" cy="888088"/>
-          </a:xfrm>
-          <a:prstGeom prst="line">
-            <a:avLst/>
-          </a:prstGeom>
-          <a:ln w="12700">
-            <a:solidFill>
-              <a:srgbClr val="FF0000"/>
-            </a:solidFill>
-          </a:ln>
-        </p:spPr>
-        <p:style>
-          <a:lnRef idx="1">
-            <a:schemeClr val="accent1"/>
-          </a:lnRef>
-          <a:fillRef idx="0">
-            <a:schemeClr val="accent1"/>
-          </a:fillRef>
-          <a:effectRef idx="0">
-            <a:schemeClr val="accent1"/>
-          </a:effectRef>
-          <a:fontRef idx="minor">
-            <a:schemeClr val="tx1"/>
-          </a:fontRef>
-        </p:style>
-      </p:cxnSp>
-      <p:cxnSp>
-        <p:nvCxnSpPr>
-          <p:cNvPr id="36" name="Gerade Verbindung 35"/>
-          <p:cNvCxnSpPr>
-            <a:stCxn id="27" idx="2"/>
-            <a:endCxn id="59" idx="3"/>
-          </p:cNvCxnSpPr>
-          <p:nvPr/>
-        </p:nvCxnSpPr>
-        <p:spPr>
-          <a:xfrm flipH="1">
-            <a:off x="6235303" y="3450431"/>
-            <a:ext cx="448869" cy="887651"/>
-          </a:xfrm>
-          <a:prstGeom prst="line">
-            <a:avLst/>
-          </a:prstGeom>
-          <a:ln w="12700">
-            <a:solidFill>
-              <a:srgbClr val="FF0000"/>
-            </a:solidFill>
-          </a:ln>
-        </p:spPr>
-        <p:style>
-          <a:lnRef idx="1">
-            <a:schemeClr val="accent1"/>
-          </a:lnRef>
-          <a:fillRef idx="0">
-            <a:schemeClr val="accent1"/>
-          </a:fillRef>
-          <a:effectRef idx="0">
-            <a:schemeClr val="accent1"/>
-          </a:effectRef>
-          <a:fontRef idx="minor">
-            <a:schemeClr val="tx1"/>
-          </a:fontRef>
-        </p:style>
-      </p:cxnSp>
-      <p:cxnSp>
-        <p:nvCxnSpPr>
-          <p:cNvPr id="38" name="Gerade Verbindung 37"/>
-          <p:cNvCxnSpPr>
-            <a:stCxn id="28" idx="2"/>
-            <a:endCxn id="61" idx="3"/>
-          </p:cNvCxnSpPr>
-          <p:nvPr/>
-        </p:nvCxnSpPr>
-        <p:spPr>
-          <a:xfrm flipH="1">
-            <a:off x="6235302" y="3805237"/>
-            <a:ext cx="598888" cy="836011"/>
-          </a:xfrm>
-          <a:prstGeom prst="line">
-            <a:avLst/>
-          </a:prstGeom>
-          <a:ln w="12700">
-            <a:solidFill>
-              <a:srgbClr val="FF0000"/>
-            </a:solidFill>
-          </a:ln>
-        </p:spPr>
-        <p:style>
-          <a:lnRef idx="1">
-            <a:schemeClr val="accent1"/>
-          </a:lnRef>
-          <a:fillRef idx="0">
-            <a:schemeClr val="accent1"/>
-          </a:fillRef>
-          <a:effectRef idx="0">
-            <a:schemeClr val="accent1"/>
-          </a:effectRef>
-          <a:fontRef idx="minor">
-            <a:schemeClr val="tx1"/>
-          </a:fontRef>
-        </p:style>
-      </p:cxnSp>
-      <p:cxnSp>
-        <p:nvCxnSpPr>
-          <p:cNvPr id="40" name="Gerade Verbindung 39"/>
-          <p:cNvCxnSpPr>
-            <a:stCxn id="29" idx="2"/>
-            <a:endCxn id="62" idx="3"/>
-          </p:cNvCxnSpPr>
-          <p:nvPr/>
-        </p:nvCxnSpPr>
-        <p:spPr>
-          <a:xfrm flipH="1">
-            <a:off x="6235301" y="3819525"/>
-            <a:ext cx="1077520" cy="1129136"/>
-          </a:xfrm>
-          <a:prstGeom prst="line">
-            <a:avLst/>
-          </a:prstGeom>
-          <a:ln w="12700">
-            <a:solidFill>
-              <a:srgbClr val="FF0000"/>
-            </a:solidFill>
-          </a:ln>
-        </p:spPr>
-        <p:style>
-          <a:lnRef idx="1">
-            <a:schemeClr val="accent1"/>
-          </a:lnRef>
-          <a:fillRef idx="0">
-            <a:schemeClr val="accent1"/>
-          </a:fillRef>
-          <a:effectRef idx="0">
-            <a:schemeClr val="accent1"/>
-          </a:effectRef>
-          <a:fontRef idx="minor">
-            <a:schemeClr val="tx1"/>
-          </a:fontRef>
-        </p:style>
-      </p:cxnSp>
-      <p:sp>
-        <p:nvSpPr>
-          <p:cNvPr id="45" name="Textfeld 44"/>
-          <p:cNvSpPr txBox="1"/>
-          <p:nvPr/>
-        </p:nvSpPr>
-        <p:spPr>
-          <a:xfrm>
-            <a:off x="2410107" y="3784084"/>
-            <a:ext cx="2006318" cy="369332"/>
-          </a:xfrm>
-          <a:prstGeom prst="rect">
-            <a:avLst/>
-          </a:prstGeom>
-          <a:noFill/>
-        </p:spPr>
-        <p:txBody>
-          <a:bodyPr wrap="none" rtlCol="0">
-            <a:spAutoFit/>
-          </a:bodyPr>
-          <a:lstStyle/>
-          <a:p>
-            <a:pPr algn="r"/>
-            <a:r>
-              <a:rPr lang="de-DE" dirty="0" smtClean="0">
-                <a:solidFill>
-                  <a:srgbClr val="FF0000"/>
-                </a:solidFill>
-              </a:rPr>
-              <a:t>Move </a:t>
-            </a:r>
-            <a:r>
-              <a:rPr lang="de-DE" dirty="0" err="1" smtClean="0">
-                <a:solidFill>
-                  <a:srgbClr val="FF0000"/>
-                </a:solidFill>
-              </a:rPr>
-              <a:t>up</a:t>
-            </a:r>
-            <a:r>
-              <a:rPr lang="de-DE" dirty="0" smtClean="0">
-                <a:solidFill>
-                  <a:srgbClr val="FF0000"/>
-                </a:solidFill>
-              </a:rPr>
-              <a:t> </a:t>
-            </a:r>
-            <a:r>
-              <a:rPr lang="de-DE" dirty="0" err="1" smtClean="0">
-                <a:solidFill>
-                  <a:srgbClr val="FF0000"/>
-                </a:solidFill>
-              </a:rPr>
-              <a:t>and</a:t>
-            </a:r>
-            <a:r>
-              <a:rPr lang="de-DE" dirty="0" smtClean="0">
-                <a:solidFill>
-                  <a:srgbClr val="FF0000"/>
-                </a:solidFill>
-              </a:rPr>
-              <a:t> down</a:t>
-            </a:r>
-            <a:endParaRPr lang="de-DE" dirty="0">
-              <a:solidFill>
-                <a:srgbClr val="FF0000"/>
-              </a:solidFill>
-            </a:endParaRPr>
-          </a:p>
-        </p:txBody>
-      </p:sp>
-      <p:sp>
-        <p:nvSpPr>
-          <p:cNvPr id="49" name="Textfeld 48"/>
-          <p:cNvSpPr txBox="1"/>
-          <p:nvPr/>
-        </p:nvSpPr>
-        <p:spPr>
-          <a:xfrm>
-            <a:off x="3012964" y="4092572"/>
-            <a:ext cx="1403461" cy="369332"/>
-          </a:xfrm>
-          <a:prstGeom prst="rect">
-            <a:avLst/>
-          </a:prstGeom>
-          <a:noFill/>
-        </p:spPr>
-        <p:txBody>
-          <a:bodyPr wrap="none" rtlCol="0">
-            <a:spAutoFit/>
-          </a:bodyPr>
-          <a:lstStyle/>
-          <a:p>
-            <a:pPr algn="r"/>
-            <a:r>
-              <a:rPr lang="de-DE" dirty="0" smtClean="0">
-                <a:solidFill>
-                  <a:srgbClr val="FF0000"/>
-                </a:solidFill>
-              </a:rPr>
-              <a:t>Private </a:t>
-            </a:r>
-            <a:r>
-              <a:rPr lang="de-DE" dirty="0" err="1" smtClean="0">
-                <a:solidFill>
-                  <a:srgbClr val="FF0000"/>
-                </a:solidFill>
-              </a:rPr>
-              <a:t>game</a:t>
-            </a:r>
-            <a:endParaRPr lang="de-DE" dirty="0">
-              <a:solidFill>
-                <a:srgbClr val="FF0000"/>
-              </a:solidFill>
-            </a:endParaRPr>
-          </a:p>
-        </p:txBody>
-      </p:sp>
-      <p:sp>
-        <p:nvSpPr>
-          <p:cNvPr id="50" name="Textfeld 49"/>
-          <p:cNvSpPr txBox="1"/>
-          <p:nvPr/>
-        </p:nvSpPr>
-        <p:spPr>
-          <a:xfrm>
-            <a:off x="3097923" y="4407456"/>
-            <a:ext cx="1318502" cy="369332"/>
-          </a:xfrm>
-          <a:prstGeom prst="rect">
-            <a:avLst/>
-          </a:prstGeom>
-          <a:noFill/>
-        </p:spPr>
-        <p:txBody>
-          <a:bodyPr wrap="none" rtlCol="0">
-            <a:spAutoFit/>
-          </a:bodyPr>
-          <a:lstStyle/>
-          <a:p>
-            <a:pPr algn="r"/>
-            <a:r>
-              <a:rPr lang="de-DE" dirty="0" smtClean="0">
-                <a:solidFill>
-                  <a:srgbClr val="FF0000"/>
-                </a:solidFill>
-              </a:rPr>
-              <a:t>Public </a:t>
-            </a:r>
-            <a:r>
-              <a:rPr lang="de-DE" dirty="0" err="1" smtClean="0">
-                <a:solidFill>
-                  <a:srgbClr val="FF0000"/>
-                </a:solidFill>
-              </a:rPr>
-              <a:t>game</a:t>
-            </a:r>
-            <a:endParaRPr lang="de-DE" dirty="0">
-              <a:solidFill>
-                <a:srgbClr val="FF0000"/>
-              </a:solidFill>
-            </a:endParaRPr>
-          </a:p>
-        </p:txBody>
-      </p:sp>
-      <p:sp>
-        <p:nvSpPr>
-          <p:cNvPr id="59" name="Textfeld 58"/>
-          <p:cNvSpPr txBox="1"/>
-          <p:nvPr/>
-        </p:nvSpPr>
-        <p:spPr>
-          <a:xfrm>
-            <a:off x="5012532" y="4153416"/>
-            <a:ext cx="1222771" cy="369332"/>
-          </a:xfrm>
-          <a:prstGeom prst="rect">
-            <a:avLst/>
-          </a:prstGeom>
-          <a:noFill/>
-        </p:spPr>
-        <p:txBody>
-          <a:bodyPr wrap="none" rtlCol="0">
-            <a:spAutoFit/>
-          </a:bodyPr>
-          <a:lstStyle/>
-          <a:p>
-            <a:pPr algn="r"/>
-            <a:r>
-              <a:rPr lang="de-DE" dirty="0" err="1" smtClean="0">
-                <a:solidFill>
-                  <a:srgbClr val="FF0000"/>
-                </a:solidFill>
-              </a:rPr>
-              <a:t>Copy</a:t>
-            </a:r>
-            <a:r>
-              <a:rPr lang="de-DE" dirty="0" smtClean="0">
-                <a:solidFill>
-                  <a:srgbClr val="FF0000"/>
-                </a:solidFill>
-              </a:rPr>
-              <a:t> </a:t>
-            </a:r>
-            <a:r>
-              <a:rPr lang="de-DE" dirty="0" err="1" smtClean="0">
-                <a:solidFill>
-                  <a:srgbClr val="FF0000"/>
-                </a:solidFill>
-              </a:rPr>
-              <a:t>game</a:t>
-            </a:r>
-            <a:endParaRPr lang="de-DE" dirty="0">
-              <a:solidFill>
-                <a:srgbClr val="FF0000"/>
-              </a:solidFill>
-            </a:endParaRPr>
-          </a:p>
-        </p:txBody>
-      </p:sp>
-      <p:sp>
-        <p:nvSpPr>
-          <p:cNvPr id="61" name="Textfeld 60"/>
-          <p:cNvSpPr txBox="1"/>
-          <p:nvPr/>
-        </p:nvSpPr>
-        <p:spPr>
-          <a:xfrm>
-            <a:off x="4867620" y="4456582"/>
-            <a:ext cx="1367682" cy="369332"/>
-          </a:xfrm>
-          <a:prstGeom prst="rect">
-            <a:avLst/>
-          </a:prstGeom>
-          <a:noFill/>
-        </p:spPr>
-        <p:txBody>
-          <a:bodyPr wrap="none" rtlCol="0">
-            <a:spAutoFit/>
-          </a:bodyPr>
-          <a:lstStyle/>
-          <a:p>
-            <a:pPr algn="r"/>
-            <a:r>
-              <a:rPr lang="de-DE" dirty="0" smtClean="0">
-                <a:solidFill>
-                  <a:srgbClr val="FF0000"/>
-                </a:solidFill>
-              </a:rPr>
-              <a:t>Delete </a:t>
-            </a:r>
-            <a:r>
-              <a:rPr lang="de-DE" dirty="0" err="1" smtClean="0">
-                <a:solidFill>
-                  <a:srgbClr val="FF0000"/>
-                </a:solidFill>
-              </a:rPr>
-              <a:t>game</a:t>
-            </a:r>
-            <a:endParaRPr lang="de-DE" dirty="0">
-              <a:solidFill>
-                <a:srgbClr val="FF0000"/>
-              </a:solidFill>
-            </a:endParaRPr>
-          </a:p>
-        </p:txBody>
-      </p:sp>
-      <p:sp>
-        <p:nvSpPr>
-          <p:cNvPr id="62" name="Textfeld 61"/>
-          <p:cNvSpPr txBox="1"/>
-          <p:nvPr/>
-        </p:nvSpPr>
-        <p:spPr>
-          <a:xfrm>
-            <a:off x="3221912" y="4763995"/>
-            <a:ext cx="3013389" cy="369332"/>
-          </a:xfrm>
-          <a:prstGeom prst="rect">
-            <a:avLst/>
-          </a:prstGeom>
-          <a:noFill/>
-        </p:spPr>
-        <p:txBody>
-          <a:bodyPr wrap="none" rtlCol="0">
-            <a:spAutoFit/>
-          </a:bodyPr>
-          <a:lstStyle/>
-          <a:p>
-            <a:pPr algn="r"/>
-            <a:r>
-              <a:rPr lang="de-DE" dirty="0" smtClean="0">
-                <a:solidFill>
-                  <a:srgbClr val="FF0000"/>
-                </a:solidFill>
-              </a:rPr>
-              <a:t>Move </a:t>
-            </a:r>
-            <a:r>
-              <a:rPr lang="de-DE" dirty="0" err="1" smtClean="0">
-                <a:solidFill>
-                  <a:srgbClr val="FF0000"/>
-                </a:solidFill>
-              </a:rPr>
-              <a:t>game</a:t>
-            </a:r>
-            <a:r>
-              <a:rPr lang="de-DE" dirty="0" smtClean="0">
-                <a:solidFill>
-                  <a:srgbClr val="FF0000"/>
-                </a:solidFill>
-              </a:rPr>
-              <a:t> </a:t>
-            </a:r>
-            <a:r>
-              <a:rPr lang="de-DE" dirty="0" err="1" smtClean="0">
-                <a:solidFill>
-                  <a:srgbClr val="FF0000"/>
-                </a:solidFill>
-              </a:rPr>
-              <a:t>to</a:t>
-            </a:r>
-            <a:r>
-              <a:rPr lang="de-DE" dirty="0" smtClean="0">
-                <a:solidFill>
-                  <a:srgbClr val="FF0000"/>
-                </a:solidFill>
-              </a:rPr>
-              <a:t> different </a:t>
-            </a:r>
-            <a:r>
-              <a:rPr lang="de-DE" dirty="0" err="1" smtClean="0">
-                <a:solidFill>
-                  <a:srgbClr val="FF0000"/>
-                </a:solidFill>
-              </a:rPr>
-              <a:t>folder</a:t>
-            </a:r>
-            <a:endParaRPr lang="de-DE" dirty="0">
-              <a:solidFill>
-                <a:srgbClr val="FF0000"/>
-              </a:solidFill>
-            </a:endParaRPr>
-          </a:p>
-        </p:txBody>
-      </p:sp>
+          <a:extLst>
+            <a:ext uri="{909E8E84-426E-40DD-AFC4-6F175D3DCCD1}">
+              <a14:hiddenFill xmlns:a14="http://schemas.microsoft.com/office/drawing/2010/main">
+                <a:solidFill>
+                  <a:schemeClr val="accent1"/>
+                </a:solidFill>
+              </a14:hiddenFill>
+            </a:ext>
+            <a:ext uri="{91240B29-F687-4F45-9708-019B960494DF}">
+              <a14:hiddenLine xmlns:a14="http://schemas.microsoft.com/office/drawing/2010/main" w="9525">
+                <a:solidFill>
+                  <a:schemeClr val="tx1"/>
+                </a:solidFill>
+                <a:miter lim="800000"/>
+                <a:headEnd/>
+                <a:tailEnd/>
+              </a14:hiddenLine>
+            </a:ext>
+          </a:extLst>
+        </p:spPr>
+      </p:pic>
     </p:spTree>
     <p:extLst>
       <p:ext uri="{BB962C8B-B14F-4D97-AF65-F5344CB8AC3E}">
-        <p14:creationId xmlns:p14="http://schemas.microsoft.com/office/powerpoint/2010/main" val="3954195316"/>
+        <p14:creationId xmlns:p14="http://schemas.microsoft.com/office/powerpoint/2010/main" val="2215406720"/>
       </p:ext>
     </p:extLst>
   </p:cSld>
   <p:clrMapOvr>
     <a:masterClrMapping/>
   </p:clrMapOvr>
-  <p:timing>
-    <p:tnLst>
-      <p:par>
-        <p:cTn id="1" dur="indefinite" restart="never" nodeType="tmRoot"/>
-      </p:par>
-    </p:tnLst>
-  </p:timing>
 </p:sld>
 </file>
 
@@ -4937,7 +3488,7 @@
       </p:grpSpPr>
       <p:pic>
         <p:nvPicPr>
-          <p:cNvPr id="3074" name="Picture 2" descr="File:TBnew.PNG"/>
+          <p:cNvPr id="2" name="Picture 2"/>
           <p:cNvPicPr>
             <a:picLocks noChangeAspect="1" noChangeArrowheads="1"/>
           </p:cNvPicPr>
@@ -4958,175 +3509,47 @@
         </p:blipFill>
         <p:spPr bwMode="auto">
           <a:xfrm>
-            <a:off x="1857375" y="2619375"/>
-            <a:ext cx="5038725" cy="457200"/>
+            <a:off x="1972945" y="2003511"/>
+            <a:ext cx="4273550" cy="2800350"/>
           </a:xfrm>
           <a:prstGeom prst="rect">
             <a:avLst/>
           </a:prstGeom>
           <a:noFill/>
+          <a:ln>
+            <a:noFill/>
+          </a:ln>
           <a:extLst>
             <a:ext uri="{909E8E84-426E-40DD-AFC4-6F175D3DCCD1}">
               <a14:hiddenFill xmlns:a14="http://schemas.microsoft.com/office/drawing/2010/main">
                 <a:solidFill>
-                  <a:srgbClr val="FFFFFF"/>
+                  <a:schemeClr val="accent1"/>
                 </a:solidFill>
               </a14:hiddenFill>
             </a:ext>
+            <a:ext uri="{91240B29-F687-4F45-9708-019B960494DF}">
+              <a14:hiddenLine xmlns:a14="http://schemas.microsoft.com/office/drawing/2010/main" w="9525">
+                <a:solidFill>
+                  <a:schemeClr val="tx1"/>
+                </a:solidFill>
+                <a:miter lim="800000"/>
+                <a:headEnd/>
+                <a:tailEnd/>
+              </a14:hiddenLine>
+            </a:ext>
           </a:extLst>
         </p:spPr>
       </p:pic>
-      <p:sp>
-        <p:nvSpPr>
-          <p:cNvPr id="5" name="Rechteck 4"/>
-          <p:cNvSpPr/>
-          <p:nvPr/>
-        </p:nvSpPr>
-        <p:spPr>
-          <a:xfrm>
-            <a:off x="3498057" y="2640806"/>
-            <a:ext cx="473869" cy="361950"/>
-          </a:xfrm>
-          <a:prstGeom prst="rect">
-            <a:avLst/>
-          </a:prstGeom>
-          <a:noFill/>
-          <a:ln>
-            <a:solidFill>
-              <a:srgbClr val="FF0000"/>
-            </a:solidFill>
-          </a:ln>
-        </p:spPr>
-        <p:style>
-          <a:lnRef idx="2">
-            <a:schemeClr val="accent1">
-              <a:shade val="50000"/>
-            </a:schemeClr>
-          </a:lnRef>
-          <a:fillRef idx="1">
-            <a:schemeClr val="accent1"/>
-          </a:fillRef>
-          <a:effectRef idx="0">
-            <a:schemeClr val="accent1"/>
-          </a:effectRef>
-          <a:fontRef idx="minor">
-            <a:schemeClr val="lt1"/>
-          </a:fontRef>
-        </p:style>
-        <p:txBody>
-          <a:bodyPr rtlCol="0" anchor="ctr"/>
-          <a:lstStyle/>
-          <a:p>
-            <a:pPr algn="ctr"/>
-            <a:endParaRPr lang="de-DE"/>
-          </a:p>
-        </p:txBody>
-      </p:sp>
-      <p:sp>
-        <p:nvSpPr>
-          <p:cNvPr id="7" name="Rechteck 6"/>
-          <p:cNvSpPr/>
-          <p:nvPr/>
-        </p:nvSpPr>
-        <p:spPr>
-          <a:xfrm>
-            <a:off x="3971926" y="2640806"/>
-            <a:ext cx="473869" cy="361950"/>
-          </a:xfrm>
-          <a:prstGeom prst="rect">
-            <a:avLst/>
-          </a:prstGeom>
-          <a:noFill/>
-          <a:ln>
-            <a:solidFill>
-              <a:srgbClr val="FF0000"/>
-            </a:solidFill>
-          </a:ln>
-        </p:spPr>
-        <p:style>
-          <a:lnRef idx="2">
-            <a:schemeClr val="accent1">
-              <a:shade val="50000"/>
-            </a:schemeClr>
-          </a:lnRef>
-          <a:fillRef idx="1">
-            <a:schemeClr val="accent1"/>
-          </a:fillRef>
-          <a:effectRef idx="0">
-            <a:schemeClr val="accent1"/>
-          </a:effectRef>
-          <a:fontRef idx="minor">
-            <a:schemeClr val="lt1"/>
-          </a:fontRef>
-        </p:style>
-        <p:txBody>
-          <a:bodyPr rtlCol="0" anchor="ctr"/>
-          <a:lstStyle/>
-          <a:p>
-            <a:pPr algn="ctr"/>
-            <a:endParaRPr lang="de-DE"/>
-          </a:p>
-        </p:txBody>
-      </p:sp>
-      <p:sp>
-        <p:nvSpPr>
-          <p:cNvPr id="8" name="Rechteck 7"/>
-          <p:cNvSpPr/>
-          <p:nvPr/>
-        </p:nvSpPr>
-        <p:spPr>
-          <a:xfrm>
-            <a:off x="4445795" y="2640806"/>
-            <a:ext cx="473869" cy="361950"/>
-          </a:xfrm>
-          <a:prstGeom prst="rect">
-            <a:avLst/>
-          </a:prstGeom>
-          <a:noFill/>
-          <a:ln>
-            <a:solidFill>
-              <a:srgbClr val="FF0000"/>
-            </a:solidFill>
-          </a:ln>
-        </p:spPr>
-        <p:style>
-          <a:lnRef idx="2">
-            <a:schemeClr val="accent1">
-              <a:shade val="50000"/>
-            </a:schemeClr>
-          </a:lnRef>
-          <a:fillRef idx="1">
-            <a:schemeClr val="accent1"/>
-          </a:fillRef>
-          <a:effectRef idx="0">
-            <a:schemeClr val="accent1"/>
-          </a:effectRef>
-          <a:fontRef idx="minor">
-            <a:schemeClr val="lt1"/>
-          </a:fontRef>
-        </p:style>
-        <p:txBody>
-          <a:bodyPr rtlCol="0" anchor="ctr"/>
-          <a:lstStyle/>
-          <a:p>
-            <a:pPr algn="ctr"/>
-            <a:endParaRPr lang="de-DE"/>
-          </a:p>
-        </p:txBody>
-      </p:sp>
       <p:cxnSp>
         <p:nvCxnSpPr>
-          <p:cNvPr id="9" name="Gerade Verbindung 8"/>
-          <p:cNvCxnSpPr>
-            <a:stCxn id="5" idx="2"/>
-            <a:endCxn id="17" idx="3"/>
-          </p:cNvCxnSpPr>
+          <p:cNvPr id="12" name="Gerade Verbindung 11"/>
+          <p:cNvCxnSpPr/>
           <p:nvPr/>
         </p:nvCxnSpPr>
         <p:spPr>
-          <a:xfrm flipH="1">
-            <a:off x="3558540" y="3002756"/>
-            <a:ext cx="176452" cy="272296"/>
+          <a:xfrm flipV="1">
+            <a:off x="4967288" y="2518291"/>
+            <a:ext cx="1408112" cy="475810"/>
           </a:xfrm>
           <a:prstGeom prst="line">
             <a:avLst/>
@@ -5154,17 +3577,14 @@
       </p:cxnSp>
       <p:cxnSp>
         <p:nvCxnSpPr>
-          <p:cNvPr id="11" name="Gerade Verbindung 10"/>
-          <p:cNvCxnSpPr>
-            <a:stCxn id="7" idx="2"/>
-            <a:endCxn id="19" idx="3"/>
-          </p:cNvCxnSpPr>
+          <p:cNvPr id="14" name="Gerade Verbindung 13"/>
+          <p:cNvCxnSpPr/>
           <p:nvPr/>
         </p:nvCxnSpPr>
         <p:spPr>
-          <a:xfrm flipH="1">
-            <a:off x="3552231" y="3002756"/>
-            <a:ext cx="656630" cy="573286"/>
+          <a:xfrm flipV="1">
+            <a:off x="5606220" y="3251200"/>
+            <a:ext cx="1023937" cy="192468"/>
           </a:xfrm>
           <a:prstGeom prst="line">
             <a:avLst/>
@@ -5192,17 +3612,14 @@
       </p:cxnSp>
       <p:cxnSp>
         <p:nvCxnSpPr>
-          <p:cNvPr id="12" name="Gerade Verbindung 11"/>
-          <p:cNvCxnSpPr>
-            <a:stCxn id="8" idx="2"/>
-            <a:endCxn id="20" idx="3"/>
-          </p:cNvCxnSpPr>
+          <p:cNvPr id="15" name="Gerade Verbindung 14"/>
+          <p:cNvCxnSpPr/>
           <p:nvPr/>
         </p:nvCxnSpPr>
         <p:spPr>
-          <a:xfrm flipH="1">
-            <a:off x="3555323" y="3002756"/>
-            <a:ext cx="1127407" cy="885706"/>
+          <a:xfrm flipV="1">
+            <a:off x="5222558" y="3698240"/>
+            <a:ext cx="1330642" cy="109476"/>
           </a:xfrm>
           <a:prstGeom prst="line">
             <a:avLst/>
@@ -5230,22 +3647,25 @@
       </p:cxnSp>
       <p:sp>
         <p:nvSpPr>
-          <p:cNvPr id="17" name="Textfeld 16"/>
+          <p:cNvPr id="18" name="Textfeld 17"/>
           <p:cNvSpPr txBox="1"/>
           <p:nvPr/>
         </p:nvSpPr>
         <p:spPr>
           <a:xfrm>
-            <a:off x="2029275" y="3090386"/>
-            <a:ext cx="1529265" cy="369332"/>
+            <a:off x="6433185" y="2326574"/>
+            <a:ext cx="1443037" cy="369332"/>
           </a:xfrm>
           <a:prstGeom prst="rect">
             <a:avLst/>
           </a:prstGeom>
           <a:noFill/>
-        </p:spPr>
-        <p:txBody>
-          <a:bodyPr wrap="none" rtlCol="0">
+          <a:ln>
+            <a:noFill/>
+          </a:ln>
+        </p:spPr>
+        <p:txBody>
+          <a:bodyPr wrap="square" rtlCol="0">
             <a:spAutoFit/>
           </a:bodyPr>
           <a:lstStyle/>
@@ -5256,15 +3676,7 @@
                   <a:srgbClr val="FF0000"/>
                 </a:solidFill>
               </a:rPr>
-              <a:t>Login QR </a:t>
-            </a:r>
-            <a:r>
-              <a:rPr lang="de-DE" dirty="0" err="1" smtClean="0">
-                <a:solidFill>
-                  <a:srgbClr val="FF0000"/>
-                </a:solidFill>
-              </a:rPr>
-              <a:t>code</a:t>
+              <a:t>Institution</a:t>
             </a:r>
             <a:endParaRPr lang="de-DE" dirty="0">
               <a:solidFill>
@@ -5276,22 +3688,25 @@
       </p:sp>
       <p:sp>
         <p:nvSpPr>
-          <p:cNvPr id="19" name="Textfeld 18"/>
+          <p:cNvPr id="20" name="Textfeld 19"/>
           <p:cNvSpPr txBox="1"/>
           <p:nvPr/>
         </p:nvSpPr>
         <p:spPr>
           <a:xfrm>
-            <a:off x="1953075" y="3391376"/>
-            <a:ext cx="1599156" cy="369332"/>
+            <a:off x="6642735" y="3106814"/>
+            <a:ext cx="1443037" cy="369332"/>
           </a:xfrm>
           <a:prstGeom prst="rect">
             <a:avLst/>
           </a:prstGeom>
           <a:noFill/>
-        </p:spPr>
-        <p:txBody>
-          <a:bodyPr wrap="none" rtlCol="0">
+          <a:ln>
+            <a:noFill/>
+          </a:ln>
+        </p:spPr>
+        <p:txBody>
+          <a:bodyPr wrap="square" rtlCol="0">
             <a:spAutoFit/>
           </a:bodyPr>
           <a:lstStyle/>
@@ -5302,31 +3717,7 @@
                   <a:srgbClr val="FF0000"/>
                 </a:solidFill>
               </a:rPr>
-              <a:t>Add </a:t>
-            </a:r>
-            <a:r>
-              <a:rPr lang="de-DE" dirty="0" err="1" smtClean="0">
-                <a:solidFill>
-                  <a:srgbClr val="FF0000"/>
-                </a:solidFill>
-              </a:rPr>
-              <a:t>test</a:t>
-            </a:r>
-            <a:r>
-              <a:rPr lang="de-DE" dirty="0" smtClean="0">
-                <a:solidFill>
-                  <a:srgbClr val="FF0000"/>
-                </a:solidFill>
-              </a:rPr>
-              <a:t> </a:t>
-            </a:r>
-            <a:r>
-              <a:rPr lang="de-DE" dirty="0" err="1" smtClean="0">
-                <a:solidFill>
-                  <a:srgbClr val="FF0000"/>
-                </a:solidFill>
-              </a:rPr>
-              <a:t>player</a:t>
+              <a:t>Course</a:t>
             </a:r>
             <a:endParaRPr lang="de-DE" dirty="0">
               <a:solidFill>
@@ -5338,49 +3729,36 @@
       </p:sp>
       <p:sp>
         <p:nvSpPr>
-          <p:cNvPr id="20" name="Textfeld 19"/>
+          <p:cNvPr id="21" name="Textfeld 20"/>
           <p:cNvSpPr txBox="1"/>
           <p:nvPr/>
         </p:nvSpPr>
         <p:spPr>
           <a:xfrm>
-            <a:off x="1800675" y="3703796"/>
-            <a:ext cx="1754648" cy="369332"/>
+            <a:off x="6642735" y="3512112"/>
+            <a:ext cx="1443037" cy="369332"/>
           </a:xfrm>
           <a:prstGeom prst="rect">
             <a:avLst/>
           </a:prstGeom>
           <a:noFill/>
-        </p:spPr>
-        <p:txBody>
-          <a:bodyPr wrap="none" rtlCol="0">
+          <a:ln>
+            <a:noFill/>
+          </a:ln>
+        </p:spPr>
+        <p:txBody>
+          <a:bodyPr wrap="square" rtlCol="0">
             <a:spAutoFit/>
           </a:bodyPr>
           <a:lstStyle/>
           <a:p>
             <a:r>
-              <a:rPr lang="de-DE" dirty="0" err="1" smtClean="0">
+              <a:rPr lang="de-DE" dirty="0" smtClean="0">
                 <a:solidFill>
                   <a:srgbClr val="FF0000"/>
                 </a:solidFill>
               </a:rPr>
-              <a:t>Diagnostic</a:t>
-            </a:r>
-            <a:r>
-              <a:rPr lang="de-DE" dirty="0" smtClean="0">
-                <a:solidFill>
-                  <a:srgbClr val="FF0000"/>
-                </a:solidFill>
-              </a:rPr>
-              <a:t> </a:t>
-            </a:r>
-            <a:r>
-              <a:rPr lang="de-DE" dirty="0" err="1" smtClean="0">
-                <a:solidFill>
-                  <a:srgbClr val="FF0000"/>
-                </a:solidFill>
-              </a:rPr>
-              <a:t>mode</a:t>
+              <a:t>User type</a:t>
             </a:r>
             <a:endParaRPr lang="de-DE" dirty="0">
               <a:solidFill>
@@ -5393,7 +3771,7 @@
     </p:spTree>
     <p:extLst>
       <p:ext uri="{BB962C8B-B14F-4D97-AF65-F5344CB8AC3E}">
-        <p14:creationId xmlns:p14="http://schemas.microsoft.com/office/powerpoint/2010/main" val="1598417757"/>
+        <p14:creationId xmlns:p14="http://schemas.microsoft.com/office/powerpoint/2010/main" val="1126359867"/>
       </p:ext>
     </p:extLst>
   </p:cSld>
@@ -5429,7 +3807,7 @@
       </p:grpSpPr>
       <p:pic>
         <p:nvPicPr>
-          <p:cNvPr id="3074" name="Picture 2" descr="File:TBnew.PNG"/>
+          <p:cNvPr id="2050" name="Picture 2"/>
           <p:cNvPicPr>
             <a:picLocks noChangeAspect="1" noChangeArrowheads="1"/>
           </p:cNvPicPr>
@@ -5450,34 +3828,47 @@
         </p:blipFill>
         <p:spPr bwMode="auto">
           <a:xfrm>
-            <a:off x="1857375" y="2619375"/>
-            <a:ext cx="5038725" cy="457200"/>
+            <a:off x="931556" y="1119868"/>
+            <a:ext cx="7401537" cy="4116161"/>
           </a:xfrm>
           <a:prstGeom prst="rect">
             <a:avLst/>
           </a:prstGeom>
           <a:noFill/>
+          <a:ln>
+            <a:noFill/>
+          </a:ln>
           <a:extLst>
             <a:ext uri="{909E8E84-426E-40DD-AFC4-6F175D3DCCD1}">
               <a14:hiddenFill xmlns:a14="http://schemas.microsoft.com/office/drawing/2010/main">
                 <a:solidFill>
-                  <a:srgbClr val="FFFFFF"/>
+                  <a:schemeClr val="accent1"/>
                 </a:solidFill>
               </a14:hiddenFill>
             </a:ext>
+            <a:ext uri="{91240B29-F687-4F45-9708-019B960494DF}">
+              <a14:hiddenLine xmlns:a14="http://schemas.microsoft.com/office/drawing/2010/main" w="9525">
+                <a:solidFill>
+                  <a:schemeClr val="tx1"/>
+                </a:solidFill>
+                <a:miter lim="800000"/>
+                <a:headEnd/>
+                <a:tailEnd/>
+              </a14:hiddenLine>
+            </a:ext>
           </a:extLst>
         </p:spPr>
       </p:pic>
       <p:sp>
         <p:nvSpPr>
-          <p:cNvPr id="5" name="Rechteck 4"/>
+          <p:cNvPr id="4" name="Rechteck 3"/>
           <p:cNvSpPr/>
           <p:nvPr/>
         </p:nvSpPr>
         <p:spPr>
           <a:xfrm>
-            <a:off x="3498057" y="2640806"/>
-            <a:ext cx="473869" cy="361950"/>
+            <a:off x="6506369" y="1119868"/>
+            <a:ext cx="328612" cy="261257"/>
           </a:xfrm>
           <a:prstGeom prst="rect">
             <a:avLst/>
@@ -5514,10 +3905,1381 @@
           </a:p>
         </p:txBody>
       </p:sp>
+      <p:sp>
+        <p:nvSpPr>
+          <p:cNvPr id="6" name="Rechteck 5"/>
+          <p:cNvSpPr/>
+          <p:nvPr/>
+        </p:nvSpPr>
+        <p:spPr>
+          <a:xfrm>
+            <a:off x="6834190" y="1119868"/>
+            <a:ext cx="319879" cy="261257"/>
+          </a:xfrm>
+          <a:prstGeom prst="rect">
+            <a:avLst/>
+          </a:prstGeom>
+          <a:noFill/>
+          <a:ln>
+            <a:solidFill>
+              <a:srgbClr val="FF0000"/>
+            </a:solidFill>
+          </a:ln>
+        </p:spPr>
+        <p:style>
+          <a:lnRef idx="2">
+            <a:schemeClr val="accent1">
+              <a:shade val="50000"/>
+            </a:schemeClr>
+          </a:lnRef>
+          <a:fillRef idx="1">
+            <a:schemeClr val="accent1"/>
+          </a:fillRef>
+          <a:effectRef idx="0">
+            <a:schemeClr val="accent1"/>
+          </a:effectRef>
+          <a:fontRef idx="minor">
+            <a:schemeClr val="lt1"/>
+          </a:fontRef>
+        </p:style>
+        <p:txBody>
+          <a:bodyPr rtlCol="0" anchor="ctr"/>
+          <a:lstStyle/>
+          <a:p>
+            <a:pPr algn="ctr"/>
+            <a:endParaRPr lang="de-DE"/>
+          </a:p>
+        </p:txBody>
+      </p:sp>
+      <p:sp>
+        <p:nvSpPr>
+          <p:cNvPr id="7" name="Rechteck 6"/>
+          <p:cNvSpPr/>
+          <p:nvPr/>
+        </p:nvSpPr>
+        <p:spPr>
+          <a:xfrm>
+            <a:off x="7153277" y="1119867"/>
+            <a:ext cx="280987" cy="261257"/>
+          </a:xfrm>
+          <a:prstGeom prst="rect">
+            <a:avLst/>
+          </a:prstGeom>
+          <a:noFill/>
+          <a:ln>
+            <a:solidFill>
+              <a:srgbClr val="FF0000"/>
+            </a:solidFill>
+          </a:ln>
+        </p:spPr>
+        <p:style>
+          <a:lnRef idx="2">
+            <a:schemeClr val="accent1">
+              <a:shade val="50000"/>
+            </a:schemeClr>
+          </a:lnRef>
+          <a:fillRef idx="1">
+            <a:schemeClr val="accent1"/>
+          </a:fillRef>
+          <a:effectRef idx="0">
+            <a:schemeClr val="accent1"/>
+          </a:effectRef>
+          <a:fontRef idx="minor">
+            <a:schemeClr val="lt1"/>
+          </a:fontRef>
+        </p:style>
+        <p:txBody>
+          <a:bodyPr rtlCol="0" anchor="ctr"/>
+          <a:lstStyle/>
+          <a:p>
+            <a:pPr algn="ctr"/>
+            <a:endParaRPr lang="de-DE"/>
+          </a:p>
+        </p:txBody>
+      </p:sp>
+      <p:sp>
+        <p:nvSpPr>
+          <p:cNvPr id="8" name="Rechteck 7"/>
+          <p:cNvSpPr/>
+          <p:nvPr/>
+        </p:nvSpPr>
+        <p:spPr>
+          <a:xfrm>
+            <a:off x="7450931" y="1119868"/>
+            <a:ext cx="854119" cy="261257"/>
+          </a:xfrm>
+          <a:prstGeom prst="rect">
+            <a:avLst/>
+          </a:prstGeom>
+          <a:noFill/>
+          <a:ln>
+            <a:solidFill>
+              <a:srgbClr val="FF0000"/>
+            </a:solidFill>
+          </a:ln>
+        </p:spPr>
+        <p:style>
+          <a:lnRef idx="2">
+            <a:schemeClr val="accent1">
+              <a:shade val="50000"/>
+            </a:schemeClr>
+          </a:lnRef>
+          <a:fillRef idx="1">
+            <a:schemeClr val="accent1"/>
+          </a:fillRef>
+          <a:effectRef idx="0">
+            <a:schemeClr val="accent1"/>
+          </a:effectRef>
+          <a:fontRef idx="minor">
+            <a:schemeClr val="lt1"/>
+          </a:fontRef>
+        </p:style>
+        <p:txBody>
+          <a:bodyPr rtlCol="0" anchor="ctr"/>
+          <a:lstStyle/>
+          <a:p>
+            <a:pPr algn="ctr"/>
+            <a:endParaRPr lang="de-DE"/>
+          </a:p>
+        </p:txBody>
+      </p:sp>
+      <p:sp>
+        <p:nvSpPr>
+          <p:cNvPr id="5" name="Rechteck 4"/>
+          <p:cNvSpPr/>
+          <p:nvPr/>
+        </p:nvSpPr>
+        <p:spPr>
+          <a:xfrm>
+            <a:off x="7517606" y="1202531"/>
+            <a:ext cx="638175" cy="92869"/>
+          </a:xfrm>
+          <a:prstGeom prst="rect">
+            <a:avLst/>
+          </a:prstGeom>
+          <a:solidFill>
+            <a:schemeClr val="tx1"/>
+          </a:solidFill>
+          <a:ln>
+            <a:solidFill>
+              <a:schemeClr val="tx1"/>
+            </a:solidFill>
+          </a:ln>
+        </p:spPr>
+        <p:style>
+          <a:lnRef idx="2">
+            <a:schemeClr val="accent1">
+              <a:shade val="50000"/>
+            </a:schemeClr>
+          </a:lnRef>
+          <a:fillRef idx="1">
+            <a:schemeClr val="accent1"/>
+          </a:fillRef>
+          <a:effectRef idx="0">
+            <a:schemeClr val="accent1"/>
+          </a:effectRef>
+          <a:fontRef idx="minor">
+            <a:schemeClr val="lt1"/>
+          </a:fontRef>
+        </p:style>
+        <p:txBody>
+          <a:bodyPr rtlCol="0" anchor="ctr"/>
+          <a:lstStyle/>
+          <a:p>
+            <a:pPr algn="ctr"/>
+            <a:endParaRPr lang="de-DE"/>
+          </a:p>
+        </p:txBody>
+      </p:sp>
+      <p:cxnSp>
+        <p:nvCxnSpPr>
+          <p:cNvPr id="10" name="Gerade Verbindung 9"/>
+          <p:cNvCxnSpPr>
+            <a:stCxn id="4" idx="1"/>
+          </p:cNvCxnSpPr>
+          <p:nvPr/>
+        </p:nvCxnSpPr>
+        <p:spPr>
+          <a:xfrm flipH="1" flipV="1">
+            <a:off x="6003925" y="1248965"/>
+            <a:ext cx="502444" cy="1532"/>
+          </a:xfrm>
+          <a:prstGeom prst="line">
+            <a:avLst/>
+          </a:prstGeom>
+          <a:ln w="12700">
+            <a:solidFill>
+              <a:srgbClr val="FF0000"/>
+            </a:solidFill>
+          </a:ln>
+        </p:spPr>
+        <p:style>
+          <a:lnRef idx="1">
+            <a:schemeClr val="accent1"/>
+          </a:lnRef>
+          <a:fillRef idx="0">
+            <a:schemeClr val="accent1"/>
+          </a:fillRef>
+          <a:effectRef idx="0">
+            <a:schemeClr val="accent1"/>
+          </a:effectRef>
+          <a:fontRef idx="minor">
+            <a:schemeClr val="tx1"/>
+          </a:fontRef>
+        </p:style>
+      </p:cxnSp>
+      <p:cxnSp>
+        <p:nvCxnSpPr>
+          <p:cNvPr id="12" name="Gerade Verbindung 11"/>
+          <p:cNvCxnSpPr>
+            <a:stCxn id="6" idx="2"/>
+          </p:cNvCxnSpPr>
+          <p:nvPr/>
+        </p:nvCxnSpPr>
+        <p:spPr>
+          <a:xfrm flipH="1">
+            <a:off x="6013450" y="1381125"/>
+            <a:ext cx="980680" cy="257175"/>
+          </a:xfrm>
+          <a:prstGeom prst="line">
+            <a:avLst/>
+          </a:prstGeom>
+          <a:ln w="12700">
+            <a:solidFill>
+              <a:srgbClr val="FF0000"/>
+            </a:solidFill>
+          </a:ln>
+        </p:spPr>
+        <p:style>
+          <a:lnRef idx="1">
+            <a:schemeClr val="accent1"/>
+          </a:lnRef>
+          <a:fillRef idx="0">
+            <a:schemeClr val="accent1"/>
+          </a:fillRef>
+          <a:effectRef idx="0">
+            <a:schemeClr val="accent1"/>
+          </a:effectRef>
+          <a:fontRef idx="minor">
+            <a:schemeClr val="tx1"/>
+          </a:fontRef>
+        </p:style>
+      </p:cxnSp>
+      <p:cxnSp>
+        <p:nvCxnSpPr>
+          <p:cNvPr id="14" name="Gerade Verbindung 13"/>
+          <p:cNvCxnSpPr>
+            <a:stCxn id="7" idx="2"/>
+          </p:cNvCxnSpPr>
+          <p:nvPr/>
+        </p:nvCxnSpPr>
+        <p:spPr>
+          <a:xfrm flipH="1">
+            <a:off x="6045996" y="1381124"/>
+            <a:ext cx="1247775" cy="738189"/>
+          </a:xfrm>
+          <a:prstGeom prst="line">
+            <a:avLst/>
+          </a:prstGeom>
+          <a:ln w="12700">
+            <a:solidFill>
+              <a:srgbClr val="FF0000"/>
+            </a:solidFill>
+          </a:ln>
+        </p:spPr>
+        <p:style>
+          <a:lnRef idx="1">
+            <a:schemeClr val="accent1"/>
+          </a:lnRef>
+          <a:fillRef idx="0">
+            <a:schemeClr val="accent1"/>
+          </a:fillRef>
+          <a:effectRef idx="0">
+            <a:schemeClr val="accent1"/>
+          </a:effectRef>
+          <a:fontRef idx="minor">
+            <a:schemeClr val="tx1"/>
+          </a:fontRef>
+        </p:style>
+      </p:cxnSp>
+      <p:cxnSp>
+        <p:nvCxnSpPr>
+          <p:cNvPr id="15" name="Gerade Verbindung 14"/>
+          <p:cNvCxnSpPr>
+            <a:stCxn id="8" idx="2"/>
+          </p:cNvCxnSpPr>
+          <p:nvPr/>
+        </p:nvCxnSpPr>
+        <p:spPr>
+          <a:xfrm flipH="1">
+            <a:off x="6005513" y="1381125"/>
+            <a:ext cx="1872478" cy="1023938"/>
+          </a:xfrm>
+          <a:prstGeom prst="line">
+            <a:avLst/>
+          </a:prstGeom>
+          <a:ln w="12700">
+            <a:solidFill>
+              <a:srgbClr val="FF0000"/>
+            </a:solidFill>
+          </a:ln>
+        </p:spPr>
+        <p:style>
+          <a:lnRef idx="1">
+            <a:schemeClr val="accent1"/>
+          </a:lnRef>
+          <a:fillRef idx="0">
+            <a:schemeClr val="accent1"/>
+          </a:fillRef>
+          <a:effectRef idx="0">
+            <a:schemeClr val="accent1"/>
+          </a:effectRef>
+          <a:fontRef idx="minor">
+            <a:schemeClr val="tx1"/>
+          </a:fontRef>
+        </p:style>
+      </p:cxnSp>
+      <p:sp>
+        <p:nvSpPr>
+          <p:cNvPr id="19" name="Textfeld 18"/>
+          <p:cNvSpPr txBox="1"/>
+          <p:nvPr/>
+        </p:nvSpPr>
+        <p:spPr>
+          <a:xfrm>
+            <a:off x="4243388" y="1062037"/>
+            <a:ext cx="1728787" cy="369332"/>
+          </a:xfrm>
+          <a:prstGeom prst="rect">
+            <a:avLst/>
+          </a:prstGeom>
+          <a:noFill/>
+        </p:spPr>
+        <p:txBody>
+          <a:bodyPr wrap="square" rtlCol="0">
+            <a:spAutoFit/>
+          </a:bodyPr>
+          <a:lstStyle/>
+          <a:p>
+            <a:pPr algn="r"/>
+            <a:r>
+              <a:rPr lang="de-DE" dirty="0" err="1" smtClean="0">
+                <a:solidFill>
+                  <a:srgbClr val="FF0000"/>
+                </a:solidFill>
+              </a:rPr>
+              <a:t>Lecture</a:t>
+            </a:r>
+            <a:r>
+              <a:rPr lang="de-DE" dirty="0" smtClean="0">
+                <a:solidFill>
+                  <a:srgbClr val="FF0000"/>
+                </a:solidFill>
+              </a:rPr>
+              <a:t> </a:t>
+            </a:r>
+            <a:r>
+              <a:rPr lang="de-DE" dirty="0" err="1" smtClean="0">
+                <a:solidFill>
+                  <a:srgbClr val="FF0000"/>
+                </a:solidFill>
+              </a:rPr>
+              <a:t>mode</a:t>
+            </a:r>
+            <a:endParaRPr lang="de-DE" dirty="0">
+              <a:solidFill>
+                <a:srgbClr val="FF0000"/>
+              </a:solidFill>
+            </a:endParaRPr>
+          </a:p>
+        </p:txBody>
+      </p:sp>
+      <p:sp>
+        <p:nvSpPr>
+          <p:cNvPr id="21" name="Textfeld 20"/>
+          <p:cNvSpPr txBox="1"/>
+          <p:nvPr/>
+        </p:nvSpPr>
+        <p:spPr>
+          <a:xfrm>
+            <a:off x="4243388" y="1453634"/>
+            <a:ext cx="1728787" cy="369332"/>
+          </a:xfrm>
+          <a:prstGeom prst="rect">
+            <a:avLst/>
+          </a:prstGeom>
+          <a:noFill/>
+        </p:spPr>
+        <p:txBody>
+          <a:bodyPr wrap="square" rtlCol="0">
+            <a:spAutoFit/>
+          </a:bodyPr>
+          <a:lstStyle/>
+          <a:p>
+            <a:pPr algn="r"/>
+            <a:r>
+              <a:rPr lang="de-DE" dirty="0" err="1" smtClean="0">
+                <a:solidFill>
+                  <a:srgbClr val="FF0000"/>
+                </a:solidFill>
+              </a:rPr>
+              <a:t>Overview</a:t>
+            </a:r>
+            <a:endParaRPr lang="de-DE" dirty="0">
+              <a:solidFill>
+                <a:srgbClr val="FF0000"/>
+              </a:solidFill>
+            </a:endParaRPr>
+          </a:p>
+        </p:txBody>
+      </p:sp>
+      <p:sp>
+        <p:nvSpPr>
+          <p:cNvPr id="22" name="Textfeld 21"/>
+          <p:cNvSpPr txBox="1"/>
+          <p:nvPr/>
+        </p:nvSpPr>
+        <p:spPr>
+          <a:xfrm>
+            <a:off x="4276726" y="1934647"/>
+            <a:ext cx="1728787" cy="369332"/>
+          </a:xfrm>
+          <a:prstGeom prst="rect">
+            <a:avLst/>
+          </a:prstGeom>
+          <a:noFill/>
+        </p:spPr>
+        <p:txBody>
+          <a:bodyPr wrap="square" rtlCol="0">
+            <a:spAutoFit/>
+          </a:bodyPr>
+          <a:lstStyle/>
+          <a:p>
+            <a:pPr algn="r"/>
+            <a:r>
+              <a:rPr lang="de-DE" dirty="0" err="1" smtClean="0">
+                <a:solidFill>
+                  <a:srgbClr val="FF0000"/>
+                </a:solidFill>
+              </a:rPr>
+              <a:t>Editing</a:t>
+            </a:r>
+            <a:r>
+              <a:rPr lang="de-DE" dirty="0" smtClean="0">
+                <a:solidFill>
+                  <a:srgbClr val="FF0000"/>
+                </a:solidFill>
+              </a:rPr>
+              <a:t> </a:t>
+            </a:r>
+            <a:r>
+              <a:rPr lang="de-DE" dirty="0" err="1" smtClean="0">
+                <a:solidFill>
+                  <a:srgbClr val="FF0000"/>
+                </a:solidFill>
+              </a:rPr>
+              <a:t>mode</a:t>
+            </a:r>
+            <a:endParaRPr lang="de-DE" dirty="0">
+              <a:solidFill>
+                <a:srgbClr val="FF0000"/>
+              </a:solidFill>
+            </a:endParaRPr>
+          </a:p>
+        </p:txBody>
+      </p:sp>
+      <p:sp>
+        <p:nvSpPr>
+          <p:cNvPr id="23" name="Textfeld 22"/>
+          <p:cNvSpPr txBox="1"/>
+          <p:nvPr/>
+        </p:nvSpPr>
+        <p:spPr>
+          <a:xfrm>
+            <a:off x="4276726" y="2220397"/>
+            <a:ext cx="1728787" cy="369332"/>
+          </a:xfrm>
+          <a:prstGeom prst="rect">
+            <a:avLst/>
+          </a:prstGeom>
+          <a:noFill/>
+        </p:spPr>
+        <p:txBody>
+          <a:bodyPr wrap="square" rtlCol="0">
+            <a:spAutoFit/>
+          </a:bodyPr>
+          <a:lstStyle/>
+          <a:p>
+            <a:pPr algn="r"/>
+            <a:r>
+              <a:rPr lang="de-DE" dirty="0" smtClean="0">
+                <a:solidFill>
+                  <a:srgbClr val="FF0000"/>
+                </a:solidFill>
+              </a:rPr>
+              <a:t>Drop down</a:t>
+            </a:r>
+            <a:endParaRPr lang="de-DE" dirty="0">
+              <a:solidFill>
+                <a:srgbClr val="FF0000"/>
+              </a:solidFill>
+            </a:endParaRPr>
+          </a:p>
+        </p:txBody>
+      </p:sp>
+      <p:sp>
+        <p:nvSpPr>
+          <p:cNvPr id="20" name="Rechteck 19"/>
+          <p:cNvSpPr/>
+          <p:nvPr/>
+        </p:nvSpPr>
+        <p:spPr>
+          <a:xfrm>
+            <a:off x="5793584" y="3257550"/>
+            <a:ext cx="190500" cy="192881"/>
+          </a:xfrm>
+          <a:prstGeom prst="rect">
+            <a:avLst/>
+          </a:prstGeom>
+          <a:noFill/>
+          <a:ln>
+            <a:solidFill>
+              <a:srgbClr val="FF0000"/>
+            </a:solidFill>
+          </a:ln>
+        </p:spPr>
+        <p:style>
+          <a:lnRef idx="2">
+            <a:schemeClr val="accent1">
+              <a:shade val="50000"/>
+            </a:schemeClr>
+          </a:lnRef>
+          <a:fillRef idx="1">
+            <a:schemeClr val="accent1"/>
+          </a:fillRef>
+          <a:effectRef idx="0">
+            <a:schemeClr val="accent1"/>
+          </a:effectRef>
+          <a:fontRef idx="minor">
+            <a:schemeClr val="lt1"/>
+          </a:fontRef>
+        </p:style>
+        <p:txBody>
+          <a:bodyPr rtlCol="0" anchor="ctr"/>
+          <a:lstStyle/>
+          <a:p>
+            <a:pPr algn="ctr"/>
+            <a:endParaRPr lang="de-DE"/>
+          </a:p>
+        </p:txBody>
+      </p:sp>
+      <p:sp>
+        <p:nvSpPr>
+          <p:cNvPr id="25" name="Rechteck 24"/>
+          <p:cNvSpPr/>
+          <p:nvPr/>
+        </p:nvSpPr>
+        <p:spPr>
+          <a:xfrm>
+            <a:off x="5793584" y="3607593"/>
+            <a:ext cx="190500" cy="192881"/>
+          </a:xfrm>
+          <a:prstGeom prst="rect">
+            <a:avLst/>
+          </a:prstGeom>
+          <a:noFill/>
+          <a:ln>
+            <a:solidFill>
+              <a:srgbClr val="FF0000"/>
+            </a:solidFill>
+          </a:ln>
+        </p:spPr>
+        <p:style>
+          <a:lnRef idx="2">
+            <a:schemeClr val="accent1">
+              <a:shade val="50000"/>
+            </a:schemeClr>
+          </a:lnRef>
+          <a:fillRef idx="1">
+            <a:schemeClr val="accent1"/>
+          </a:fillRef>
+          <a:effectRef idx="0">
+            <a:schemeClr val="accent1"/>
+          </a:effectRef>
+          <a:fontRef idx="minor">
+            <a:schemeClr val="lt1"/>
+          </a:fontRef>
+        </p:style>
+        <p:txBody>
+          <a:bodyPr rtlCol="0" anchor="ctr"/>
+          <a:lstStyle/>
+          <a:p>
+            <a:pPr algn="ctr"/>
+            <a:endParaRPr lang="de-DE"/>
+          </a:p>
+        </p:txBody>
+      </p:sp>
+      <p:sp>
+        <p:nvSpPr>
+          <p:cNvPr id="26" name="Rechteck 25"/>
+          <p:cNvSpPr/>
+          <p:nvPr/>
+        </p:nvSpPr>
+        <p:spPr>
+          <a:xfrm>
+            <a:off x="5995990" y="2897982"/>
+            <a:ext cx="335756" cy="192881"/>
+          </a:xfrm>
+          <a:prstGeom prst="rect">
+            <a:avLst/>
+          </a:prstGeom>
+          <a:noFill/>
+          <a:ln>
+            <a:solidFill>
+              <a:srgbClr val="FF0000"/>
+            </a:solidFill>
+          </a:ln>
+        </p:spPr>
+        <p:style>
+          <a:lnRef idx="2">
+            <a:schemeClr val="accent1">
+              <a:shade val="50000"/>
+            </a:schemeClr>
+          </a:lnRef>
+          <a:fillRef idx="1">
+            <a:schemeClr val="accent1"/>
+          </a:fillRef>
+          <a:effectRef idx="0">
+            <a:schemeClr val="accent1"/>
+          </a:effectRef>
+          <a:fontRef idx="minor">
+            <a:schemeClr val="lt1"/>
+          </a:fontRef>
+        </p:style>
+        <p:txBody>
+          <a:bodyPr rtlCol="0" anchor="ctr"/>
+          <a:lstStyle/>
+          <a:p>
+            <a:pPr algn="ctr"/>
+            <a:endParaRPr lang="de-DE"/>
+          </a:p>
+        </p:txBody>
+      </p:sp>
+      <p:sp>
+        <p:nvSpPr>
+          <p:cNvPr id="27" name="Rechteck 26"/>
+          <p:cNvSpPr/>
+          <p:nvPr/>
+        </p:nvSpPr>
+        <p:spPr>
+          <a:xfrm>
+            <a:off x="6588922" y="3257550"/>
+            <a:ext cx="190500" cy="192881"/>
+          </a:xfrm>
+          <a:prstGeom prst="rect">
+            <a:avLst/>
+          </a:prstGeom>
+          <a:noFill/>
+          <a:ln>
+            <a:solidFill>
+              <a:srgbClr val="FF0000"/>
+            </a:solidFill>
+          </a:ln>
+        </p:spPr>
+        <p:style>
+          <a:lnRef idx="2">
+            <a:schemeClr val="accent1">
+              <a:shade val="50000"/>
+            </a:schemeClr>
+          </a:lnRef>
+          <a:fillRef idx="1">
+            <a:schemeClr val="accent1"/>
+          </a:fillRef>
+          <a:effectRef idx="0">
+            <a:schemeClr val="accent1"/>
+          </a:effectRef>
+          <a:fontRef idx="minor">
+            <a:schemeClr val="lt1"/>
+          </a:fontRef>
+        </p:style>
+        <p:txBody>
+          <a:bodyPr rtlCol="0" anchor="ctr"/>
+          <a:lstStyle/>
+          <a:p>
+            <a:pPr algn="ctr"/>
+            <a:endParaRPr lang="de-DE"/>
+          </a:p>
+        </p:txBody>
+      </p:sp>
+      <p:sp>
+        <p:nvSpPr>
+          <p:cNvPr id="28" name="Rechteck 27"/>
+          <p:cNvSpPr/>
+          <p:nvPr/>
+        </p:nvSpPr>
+        <p:spPr>
+          <a:xfrm>
+            <a:off x="6738940" y="3612356"/>
+            <a:ext cx="190500" cy="192881"/>
+          </a:xfrm>
+          <a:prstGeom prst="rect">
+            <a:avLst/>
+          </a:prstGeom>
+          <a:noFill/>
+          <a:ln>
+            <a:solidFill>
+              <a:srgbClr val="FF0000"/>
+            </a:solidFill>
+          </a:ln>
+        </p:spPr>
+        <p:style>
+          <a:lnRef idx="2">
+            <a:schemeClr val="accent1">
+              <a:shade val="50000"/>
+            </a:schemeClr>
+          </a:lnRef>
+          <a:fillRef idx="1">
+            <a:schemeClr val="accent1"/>
+          </a:fillRef>
+          <a:effectRef idx="0">
+            <a:schemeClr val="accent1"/>
+          </a:effectRef>
+          <a:fontRef idx="minor">
+            <a:schemeClr val="lt1"/>
+          </a:fontRef>
+        </p:style>
+        <p:txBody>
+          <a:bodyPr rtlCol="0" anchor="ctr"/>
+          <a:lstStyle/>
+          <a:p>
+            <a:pPr algn="ctr"/>
+            <a:endParaRPr lang="de-DE"/>
+          </a:p>
+        </p:txBody>
+      </p:sp>
+      <p:sp>
+        <p:nvSpPr>
+          <p:cNvPr id="29" name="Rechteck 28"/>
+          <p:cNvSpPr/>
+          <p:nvPr/>
+        </p:nvSpPr>
+        <p:spPr>
+          <a:xfrm>
+            <a:off x="7217571" y="3626644"/>
+            <a:ext cx="190500" cy="192881"/>
+          </a:xfrm>
+          <a:prstGeom prst="rect">
+            <a:avLst/>
+          </a:prstGeom>
+          <a:noFill/>
+          <a:ln>
+            <a:solidFill>
+              <a:srgbClr val="FF0000"/>
+            </a:solidFill>
+          </a:ln>
+        </p:spPr>
+        <p:style>
+          <a:lnRef idx="2">
+            <a:schemeClr val="accent1">
+              <a:shade val="50000"/>
+            </a:schemeClr>
+          </a:lnRef>
+          <a:fillRef idx="1">
+            <a:schemeClr val="accent1"/>
+          </a:fillRef>
+          <a:effectRef idx="0">
+            <a:schemeClr val="accent1"/>
+          </a:effectRef>
+          <a:fontRef idx="minor">
+            <a:schemeClr val="lt1"/>
+          </a:fontRef>
+        </p:style>
+        <p:txBody>
+          <a:bodyPr rtlCol="0" anchor="ctr"/>
+          <a:lstStyle/>
+          <a:p>
+            <a:pPr algn="ctr"/>
+            <a:endParaRPr lang="de-DE"/>
+          </a:p>
+        </p:txBody>
+      </p:sp>
+      <p:cxnSp>
+        <p:nvCxnSpPr>
+          <p:cNvPr id="30" name="Gerade Verbindung 29"/>
+          <p:cNvCxnSpPr>
+            <a:stCxn id="26" idx="1"/>
+          </p:cNvCxnSpPr>
+          <p:nvPr/>
+        </p:nvCxnSpPr>
+        <p:spPr>
+          <a:xfrm flipH="1">
+            <a:off x="4440240" y="2994423"/>
+            <a:ext cx="1555750" cy="974327"/>
+          </a:xfrm>
+          <a:prstGeom prst="line">
+            <a:avLst/>
+          </a:prstGeom>
+          <a:ln w="12700">
+            <a:solidFill>
+              <a:srgbClr val="FF0000"/>
+            </a:solidFill>
+          </a:ln>
+        </p:spPr>
+        <p:style>
+          <a:lnRef idx="1">
+            <a:schemeClr val="accent1"/>
+          </a:lnRef>
+          <a:fillRef idx="0">
+            <a:schemeClr val="accent1"/>
+          </a:fillRef>
+          <a:effectRef idx="0">
+            <a:schemeClr val="accent1"/>
+          </a:effectRef>
+          <a:fontRef idx="minor">
+            <a:schemeClr val="tx1"/>
+          </a:fontRef>
+        </p:style>
+      </p:cxnSp>
+      <p:cxnSp>
+        <p:nvCxnSpPr>
+          <p:cNvPr id="32" name="Gerade Verbindung 31"/>
+          <p:cNvCxnSpPr>
+            <a:stCxn id="20" idx="1"/>
+            <a:endCxn id="49" idx="3"/>
+          </p:cNvCxnSpPr>
+          <p:nvPr/>
+        </p:nvCxnSpPr>
+        <p:spPr>
+          <a:xfrm flipH="1">
+            <a:off x="4416425" y="3353991"/>
+            <a:ext cx="1377159" cy="923247"/>
+          </a:xfrm>
+          <a:prstGeom prst="line">
+            <a:avLst/>
+          </a:prstGeom>
+          <a:ln w="12700">
+            <a:solidFill>
+              <a:srgbClr val="FF0000"/>
+            </a:solidFill>
+          </a:ln>
+        </p:spPr>
+        <p:style>
+          <a:lnRef idx="1">
+            <a:schemeClr val="accent1"/>
+          </a:lnRef>
+          <a:fillRef idx="0">
+            <a:schemeClr val="accent1"/>
+          </a:fillRef>
+          <a:effectRef idx="0">
+            <a:schemeClr val="accent1"/>
+          </a:effectRef>
+          <a:fontRef idx="minor">
+            <a:schemeClr val="tx1"/>
+          </a:fontRef>
+        </p:style>
+      </p:cxnSp>
+      <p:cxnSp>
+        <p:nvCxnSpPr>
+          <p:cNvPr id="34" name="Gerade Verbindung 33"/>
+          <p:cNvCxnSpPr>
+            <a:stCxn id="25" idx="1"/>
+            <a:endCxn id="50" idx="3"/>
+          </p:cNvCxnSpPr>
+          <p:nvPr/>
+        </p:nvCxnSpPr>
+        <p:spPr>
+          <a:xfrm flipH="1">
+            <a:off x="4416425" y="3704034"/>
+            <a:ext cx="1377159" cy="888088"/>
+          </a:xfrm>
+          <a:prstGeom prst="line">
+            <a:avLst/>
+          </a:prstGeom>
+          <a:ln w="12700">
+            <a:solidFill>
+              <a:srgbClr val="FF0000"/>
+            </a:solidFill>
+          </a:ln>
+        </p:spPr>
+        <p:style>
+          <a:lnRef idx="1">
+            <a:schemeClr val="accent1"/>
+          </a:lnRef>
+          <a:fillRef idx="0">
+            <a:schemeClr val="accent1"/>
+          </a:fillRef>
+          <a:effectRef idx="0">
+            <a:schemeClr val="accent1"/>
+          </a:effectRef>
+          <a:fontRef idx="minor">
+            <a:schemeClr val="tx1"/>
+          </a:fontRef>
+        </p:style>
+      </p:cxnSp>
+      <p:cxnSp>
+        <p:nvCxnSpPr>
+          <p:cNvPr id="36" name="Gerade Verbindung 35"/>
+          <p:cNvCxnSpPr>
+            <a:stCxn id="27" idx="2"/>
+            <a:endCxn id="59" idx="3"/>
+          </p:cNvCxnSpPr>
+          <p:nvPr/>
+        </p:nvCxnSpPr>
+        <p:spPr>
+          <a:xfrm flipH="1">
+            <a:off x="6235303" y="3450431"/>
+            <a:ext cx="448869" cy="887651"/>
+          </a:xfrm>
+          <a:prstGeom prst="line">
+            <a:avLst/>
+          </a:prstGeom>
+          <a:ln w="12700">
+            <a:solidFill>
+              <a:srgbClr val="FF0000"/>
+            </a:solidFill>
+          </a:ln>
+        </p:spPr>
+        <p:style>
+          <a:lnRef idx="1">
+            <a:schemeClr val="accent1"/>
+          </a:lnRef>
+          <a:fillRef idx="0">
+            <a:schemeClr val="accent1"/>
+          </a:fillRef>
+          <a:effectRef idx="0">
+            <a:schemeClr val="accent1"/>
+          </a:effectRef>
+          <a:fontRef idx="minor">
+            <a:schemeClr val="tx1"/>
+          </a:fontRef>
+        </p:style>
+      </p:cxnSp>
+      <p:cxnSp>
+        <p:nvCxnSpPr>
+          <p:cNvPr id="38" name="Gerade Verbindung 37"/>
+          <p:cNvCxnSpPr>
+            <a:stCxn id="28" idx="2"/>
+            <a:endCxn id="61" idx="3"/>
+          </p:cNvCxnSpPr>
+          <p:nvPr/>
+        </p:nvCxnSpPr>
+        <p:spPr>
+          <a:xfrm flipH="1">
+            <a:off x="6235302" y="3805237"/>
+            <a:ext cx="598888" cy="836011"/>
+          </a:xfrm>
+          <a:prstGeom prst="line">
+            <a:avLst/>
+          </a:prstGeom>
+          <a:ln w="12700">
+            <a:solidFill>
+              <a:srgbClr val="FF0000"/>
+            </a:solidFill>
+          </a:ln>
+        </p:spPr>
+        <p:style>
+          <a:lnRef idx="1">
+            <a:schemeClr val="accent1"/>
+          </a:lnRef>
+          <a:fillRef idx="0">
+            <a:schemeClr val="accent1"/>
+          </a:fillRef>
+          <a:effectRef idx="0">
+            <a:schemeClr val="accent1"/>
+          </a:effectRef>
+          <a:fontRef idx="minor">
+            <a:schemeClr val="tx1"/>
+          </a:fontRef>
+        </p:style>
+      </p:cxnSp>
+      <p:cxnSp>
+        <p:nvCxnSpPr>
+          <p:cNvPr id="40" name="Gerade Verbindung 39"/>
+          <p:cNvCxnSpPr>
+            <a:stCxn id="29" idx="2"/>
+            <a:endCxn id="62" idx="3"/>
+          </p:cNvCxnSpPr>
+          <p:nvPr/>
+        </p:nvCxnSpPr>
+        <p:spPr>
+          <a:xfrm flipH="1">
+            <a:off x="6235301" y="3819525"/>
+            <a:ext cx="1077520" cy="1129136"/>
+          </a:xfrm>
+          <a:prstGeom prst="line">
+            <a:avLst/>
+          </a:prstGeom>
+          <a:ln w="12700">
+            <a:solidFill>
+              <a:srgbClr val="FF0000"/>
+            </a:solidFill>
+          </a:ln>
+        </p:spPr>
+        <p:style>
+          <a:lnRef idx="1">
+            <a:schemeClr val="accent1"/>
+          </a:lnRef>
+          <a:fillRef idx="0">
+            <a:schemeClr val="accent1"/>
+          </a:fillRef>
+          <a:effectRef idx="0">
+            <a:schemeClr val="accent1"/>
+          </a:effectRef>
+          <a:fontRef idx="minor">
+            <a:schemeClr val="tx1"/>
+          </a:fontRef>
+        </p:style>
+      </p:cxnSp>
+      <p:sp>
+        <p:nvSpPr>
+          <p:cNvPr id="45" name="Textfeld 44"/>
+          <p:cNvSpPr txBox="1"/>
+          <p:nvPr/>
+        </p:nvSpPr>
+        <p:spPr>
+          <a:xfrm>
+            <a:off x="2410107" y="3784084"/>
+            <a:ext cx="2006318" cy="369332"/>
+          </a:xfrm>
+          <a:prstGeom prst="rect">
+            <a:avLst/>
+          </a:prstGeom>
+          <a:noFill/>
+        </p:spPr>
+        <p:txBody>
+          <a:bodyPr wrap="none" rtlCol="0">
+            <a:spAutoFit/>
+          </a:bodyPr>
+          <a:lstStyle/>
+          <a:p>
+            <a:pPr algn="r"/>
+            <a:r>
+              <a:rPr lang="de-DE" dirty="0" smtClean="0">
+                <a:solidFill>
+                  <a:srgbClr val="FF0000"/>
+                </a:solidFill>
+              </a:rPr>
+              <a:t>Move </a:t>
+            </a:r>
+            <a:r>
+              <a:rPr lang="de-DE" dirty="0" err="1" smtClean="0">
+                <a:solidFill>
+                  <a:srgbClr val="FF0000"/>
+                </a:solidFill>
+              </a:rPr>
+              <a:t>up</a:t>
+            </a:r>
+            <a:r>
+              <a:rPr lang="de-DE" dirty="0" smtClean="0">
+                <a:solidFill>
+                  <a:srgbClr val="FF0000"/>
+                </a:solidFill>
+              </a:rPr>
+              <a:t> </a:t>
+            </a:r>
+            <a:r>
+              <a:rPr lang="de-DE" dirty="0" err="1" smtClean="0">
+                <a:solidFill>
+                  <a:srgbClr val="FF0000"/>
+                </a:solidFill>
+              </a:rPr>
+              <a:t>and</a:t>
+            </a:r>
+            <a:r>
+              <a:rPr lang="de-DE" dirty="0" smtClean="0">
+                <a:solidFill>
+                  <a:srgbClr val="FF0000"/>
+                </a:solidFill>
+              </a:rPr>
+              <a:t> down</a:t>
+            </a:r>
+            <a:endParaRPr lang="de-DE" dirty="0">
+              <a:solidFill>
+                <a:srgbClr val="FF0000"/>
+              </a:solidFill>
+            </a:endParaRPr>
+          </a:p>
+        </p:txBody>
+      </p:sp>
+      <p:sp>
+        <p:nvSpPr>
+          <p:cNvPr id="49" name="Textfeld 48"/>
+          <p:cNvSpPr txBox="1"/>
+          <p:nvPr/>
+        </p:nvSpPr>
+        <p:spPr>
+          <a:xfrm>
+            <a:off x="3012964" y="4092572"/>
+            <a:ext cx="1403461" cy="369332"/>
+          </a:xfrm>
+          <a:prstGeom prst="rect">
+            <a:avLst/>
+          </a:prstGeom>
+          <a:noFill/>
+        </p:spPr>
+        <p:txBody>
+          <a:bodyPr wrap="none" rtlCol="0">
+            <a:spAutoFit/>
+          </a:bodyPr>
+          <a:lstStyle/>
+          <a:p>
+            <a:pPr algn="r"/>
+            <a:r>
+              <a:rPr lang="de-DE" dirty="0" smtClean="0">
+                <a:solidFill>
+                  <a:srgbClr val="FF0000"/>
+                </a:solidFill>
+              </a:rPr>
+              <a:t>Private </a:t>
+            </a:r>
+            <a:r>
+              <a:rPr lang="de-DE" dirty="0" err="1" smtClean="0">
+                <a:solidFill>
+                  <a:srgbClr val="FF0000"/>
+                </a:solidFill>
+              </a:rPr>
+              <a:t>game</a:t>
+            </a:r>
+            <a:endParaRPr lang="de-DE" dirty="0">
+              <a:solidFill>
+                <a:srgbClr val="FF0000"/>
+              </a:solidFill>
+            </a:endParaRPr>
+          </a:p>
+        </p:txBody>
+      </p:sp>
+      <p:sp>
+        <p:nvSpPr>
+          <p:cNvPr id="50" name="Textfeld 49"/>
+          <p:cNvSpPr txBox="1"/>
+          <p:nvPr/>
+        </p:nvSpPr>
+        <p:spPr>
+          <a:xfrm>
+            <a:off x="3097923" y="4407456"/>
+            <a:ext cx="1318502" cy="369332"/>
+          </a:xfrm>
+          <a:prstGeom prst="rect">
+            <a:avLst/>
+          </a:prstGeom>
+          <a:noFill/>
+        </p:spPr>
+        <p:txBody>
+          <a:bodyPr wrap="none" rtlCol="0">
+            <a:spAutoFit/>
+          </a:bodyPr>
+          <a:lstStyle/>
+          <a:p>
+            <a:pPr algn="r"/>
+            <a:r>
+              <a:rPr lang="de-DE" dirty="0" smtClean="0">
+                <a:solidFill>
+                  <a:srgbClr val="FF0000"/>
+                </a:solidFill>
+              </a:rPr>
+              <a:t>Public </a:t>
+            </a:r>
+            <a:r>
+              <a:rPr lang="de-DE" dirty="0" err="1" smtClean="0">
+                <a:solidFill>
+                  <a:srgbClr val="FF0000"/>
+                </a:solidFill>
+              </a:rPr>
+              <a:t>game</a:t>
+            </a:r>
+            <a:endParaRPr lang="de-DE" dirty="0">
+              <a:solidFill>
+                <a:srgbClr val="FF0000"/>
+              </a:solidFill>
+            </a:endParaRPr>
+          </a:p>
+        </p:txBody>
+      </p:sp>
+      <p:sp>
+        <p:nvSpPr>
+          <p:cNvPr id="59" name="Textfeld 58"/>
+          <p:cNvSpPr txBox="1"/>
+          <p:nvPr/>
+        </p:nvSpPr>
+        <p:spPr>
+          <a:xfrm>
+            <a:off x="5012532" y="4153416"/>
+            <a:ext cx="1222771" cy="369332"/>
+          </a:xfrm>
+          <a:prstGeom prst="rect">
+            <a:avLst/>
+          </a:prstGeom>
+          <a:noFill/>
+        </p:spPr>
+        <p:txBody>
+          <a:bodyPr wrap="none" rtlCol="0">
+            <a:spAutoFit/>
+          </a:bodyPr>
+          <a:lstStyle/>
+          <a:p>
+            <a:pPr algn="r"/>
+            <a:r>
+              <a:rPr lang="de-DE" dirty="0" err="1" smtClean="0">
+                <a:solidFill>
+                  <a:srgbClr val="FF0000"/>
+                </a:solidFill>
+              </a:rPr>
+              <a:t>Copy</a:t>
+            </a:r>
+            <a:r>
+              <a:rPr lang="de-DE" dirty="0" smtClean="0">
+                <a:solidFill>
+                  <a:srgbClr val="FF0000"/>
+                </a:solidFill>
+              </a:rPr>
+              <a:t> </a:t>
+            </a:r>
+            <a:r>
+              <a:rPr lang="de-DE" dirty="0" err="1" smtClean="0">
+                <a:solidFill>
+                  <a:srgbClr val="FF0000"/>
+                </a:solidFill>
+              </a:rPr>
+              <a:t>game</a:t>
+            </a:r>
+            <a:endParaRPr lang="de-DE" dirty="0">
+              <a:solidFill>
+                <a:srgbClr val="FF0000"/>
+              </a:solidFill>
+            </a:endParaRPr>
+          </a:p>
+        </p:txBody>
+      </p:sp>
+      <p:sp>
+        <p:nvSpPr>
+          <p:cNvPr id="61" name="Textfeld 60"/>
+          <p:cNvSpPr txBox="1"/>
+          <p:nvPr/>
+        </p:nvSpPr>
+        <p:spPr>
+          <a:xfrm>
+            <a:off x="4867620" y="4456582"/>
+            <a:ext cx="1367682" cy="369332"/>
+          </a:xfrm>
+          <a:prstGeom prst="rect">
+            <a:avLst/>
+          </a:prstGeom>
+          <a:noFill/>
+        </p:spPr>
+        <p:txBody>
+          <a:bodyPr wrap="none" rtlCol="0">
+            <a:spAutoFit/>
+          </a:bodyPr>
+          <a:lstStyle/>
+          <a:p>
+            <a:pPr algn="r"/>
+            <a:r>
+              <a:rPr lang="de-DE" dirty="0" smtClean="0">
+                <a:solidFill>
+                  <a:srgbClr val="FF0000"/>
+                </a:solidFill>
+              </a:rPr>
+              <a:t>Delete </a:t>
+            </a:r>
+            <a:r>
+              <a:rPr lang="de-DE" dirty="0" err="1" smtClean="0">
+                <a:solidFill>
+                  <a:srgbClr val="FF0000"/>
+                </a:solidFill>
+              </a:rPr>
+              <a:t>game</a:t>
+            </a:r>
+            <a:endParaRPr lang="de-DE" dirty="0">
+              <a:solidFill>
+                <a:srgbClr val="FF0000"/>
+              </a:solidFill>
+            </a:endParaRPr>
+          </a:p>
+        </p:txBody>
+      </p:sp>
+      <p:sp>
+        <p:nvSpPr>
+          <p:cNvPr id="62" name="Textfeld 61"/>
+          <p:cNvSpPr txBox="1"/>
+          <p:nvPr/>
+        </p:nvSpPr>
+        <p:spPr>
+          <a:xfrm>
+            <a:off x="3221912" y="4763995"/>
+            <a:ext cx="3013389" cy="369332"/>
+          </a:xfrm>
+          <a:prstGeom prst="rect">
+            <a:avLst/>
+          </a:prstGeom>
+          <a:noFill/>
+        </p:spPr>
+        <p:txBody>
+          <a:bodyPr wrap="none" rtlCol="0">
+            <a:spAutoFit/>
+          </a:bodyPr>
+          <a:lstStyle/>
+          <a:p>
+            <a:pPr algn="r"/>
+            <a:r>
+              <a:rPr lang="de-DE" dirty="0" smtClean="0">
+                <a:solidFill>
+                  <a:srgbClr val="FF0000"/>
+                </a:solidFill>
+              </a:rPr>
+              <a:t>Move </a:t>
+            </a:r>
+            <a:r>
+              <a:rPr lang="de-DE" dirty="0" err="1" smtClean="0">
+                <a:solidFill>
+                  <a:srgbClr val="FF0000"/>
+                </a:solidFill>
+              </a:rPr>
+              <a:t>game</a:t>
+            </a:r>
+            <a:r>
+              <a:rPr lang="de-DE" dirty="0" smtClean="0">
+                <a:solidFill>
+                  <a:srgbClr val="FF0000"/>
+                </a:solidFill>
+              </a:rPr>
+              <a:t> </a:t>
+            </a:r>
+            <a:r>
+              <a:rPr lang="de-DE" dirty="0" err="1" smtClean="0">
+                <a:solidFill>
+                  <a:srgbClr val="FF0000"/>
+                </a:solidFill>
+              </a:rPr>
+              <a:t>to</a:t>
+            </a:r>
+            <a:r>
+              <a:rPr lang="de-DE" dirty="0" smtClean="0">
+                <a:solidFill>
+                  <a:srgbClr val="FF0000"/>
+                </a:solidFill>
+              </a:rPr>
+              <a:t> different </a:t>
+            </a:r>
+            <a:r>
+              <a:rPr lang="de-DE" dirty="0" err="1" smtClean="0">
+                <a:solidFill>
+                  <a:srgbClr val="FF0000"/>
+                </a:solidFill>
+              </a:rPr>
+              <a:t>folder</a:t>
+            </a:r>
+            <a:endParaRPr lang="de-DE" dirty="0">
+              <a:solidFill>
+                <a:srgbClr val="FF0000"/>
+              </a:solidFill>
+            </a:endParaRPr>
+          </a:p>
+        </p:txBody>
+      </p:sp>
     </p:spTree>
     <p:extLst>
       <p:ext uri="{BB962C8B-B14F-4D97-AF65-F5344CB8AC3E}">
-        <p14:creationId xmlns:p14="http://schemas.microsoft.com/office/powerpoint/2010/main" val="1650465062"/>
+        <p14:creationId xmlns:p14="http://schemas.microsoft.com/office/powerpoint/2010/main" val="3954195316"/>
       </p:ext>
     </p:extLst>
   </p:cSld>
@@ -5594,6 +5356,52 @@
       </p:pic>
       <p:sp>
         <p:nvSpPr>
+          <p:cNvPr id="5" name="Rechteck 4"/>
+          <p:cNvSpPr/>
+          <p:nvPr/>
+        </p:nvSpPr>
+        <p:spPr>
+          <a:xfrm>
+            <a:off x="3498057" y="2640806"/>
+            <a:ext cx="473869" cy="361950"/>
+          </a:xfrm>
+          <a:prstGeom prst="rect">
+            <a:avLst/>
+          </a:prstGeom>
+          <a:noFill/>
+          <a:ln>
+            <a:solidFill>
+              <a:srgbClr val="FF0000"/>
+            </a:solidFill>
+          </a:ln>
+        </p:spPr>
+        <p:style>
+          <a:lnRef idx="2">
+            <a:schemeClr val="accent1">
+              <a:shade val="50000"/>
+            </a:schemeClr>
+          </a:lnRef>
+          <a:fillRef idx="1">
+            <a:schemeClr val="accent1"/>
+          </a:fillRef>
+          <a:effectRef idx="0">
+            <a:schemeClr val="accent1"/>
+          </a:effectRef>
+          <a:fontRef idx="minor">
+            <a:schemeClr val="lt1"/>
+          </a:fontRef>
+        </p:style>
+        <p:txBody>
+          <a:bodyPr rtlCol="0" anchor="ctr"/>
+          <a:lstStyle/>
+          <a:p>
+            <a:pPr algn="ctr"/>
+            <a:endParaRPr lang="de-DE"/>
+          </a:p>
+        </p:txBody>
+      </p:sp>
+      <p:sp>
+        <p:nvSpPr>
           <p:cNvPr id="7" name="Rechteck 6"/>
           <p:cNvSpPr/>
           <p:nvPr/>
@@ -5601,6 +5409,452 @@
         <p:spPr>
           <a:xfrm>
             <a:off x="3971926" y="2640806"/>
+            <a:ext cx="473869" cy="361950"/>
+          </a:xfrm>
+          <a:prstGeom prst="rect">
+            <a:avLst/>
+          </a:prstGeom>
+          <a:noFill/>
+          <a:ln>
+            <a:solidFill>
+              <a:srgbClr val="FF0000"/>
+            </a:solidFill>
+          </a:ln>
+        </p:spPr>
+        <p:style>
+          <a:lnRef idx="2">
+            <a:schemeClr val="accent1">
+              <a:shade val="50000"/>
+            </a:schemeClr>
+          </a:lnRef>
+          <a:fillRef idx="1">
+            <a:schemeClr val="accent1"/>
+          </a:fillRef>
+          <a:effectRef idx="0">
+            <a:schemeClr val="accent1"/>
+          </a:effectRef>
+          <a:fontRef idx="minor">
+            <a:schemeClr val="lt1"/>
+          </a:fontRef>
+        </p:style>
+        <p:txBody>
+          <a:bodyPr rtlCol="0" anchor="ctr"/>
+          <a:lstStyle/>
+          <a:p>
+            <a:pPr algn="ctr"/>
+            <a:endParaRPr lang="de-DE"/>
+          </a:p>
+        </p:txBody>
+      </p:sp>
+      <p:sp>
+        <p:nvSpPr>
+          <p:cNvPr id="8" name="Rechteck 7"/>
+          <p:cNvSpPr/>
+          <p:nvPr/>
+        </p:nvSpPr>
+        <p:spPr>
+          <a:xfrm>
+            <a:off x="4445795" y="2640806"/>
+            <a:ext cx="473869" cy="361950"/>
+          </a:xfrm>
+          <a:prstGeom prst="rect">
+            <a:avLst/>
+          </a:prstGeom>
+          <a:noFill/>
+          <a:ln>
+            <a:solidFill>
+              <a:srgbClr val="FF0000"/>
+            </a:solidFill>
+          </a:ln>
+        </p:spPr>
+        <p:style>
+          <a:lnRef idx="2">
+            <a:schemeClr val="accent1">
+              <a:shade val="50000"/>
+            </a:schemeClr>
+          </a:lnRef>
+          <a:fillRef idx="1">
+            <a:schemeClr val="accent1"/>
+          </a:fillRef>
+          <a:effectRef idx="0">
+            <a:schemeClr val="accent1"/>
+          </a:effectRef>
+          <a:fontRef idx="minor">
+            <a:schemeClr val="lt1"/>
+          </a:fontRef>
+        </p:style>
+        <p:txBody>
+          <a:bodyPr rtlCol="0" anchor="ctr"/>
+          <a:lstStyle/>
+          <a:p>
+            <a:pPr algn="ctr"/>
+            <a:endParaRPr lang="de-DE"/>
+          </a:p>
+        </p:txBody>
+      </p:sp>
+      <p:cxnSp>
+        <p:nvCxnSpPr>
+          <p:cNvPr id="9" name="Gerade Verbindung 8"/>
+          <p:cNvCxnSpPr>
+            <a:stCxn id="5" idx="2"/>
+            <a:endCxn id="17" idx="3"/>
+          </p:cNvCxnSpPr>
+          <p:nvPr/>
+        </p:nvCxnSpPr>
+        <p:spPr>
+          <a:xfrm flipH="1">
+            <a:off x="3558540" y="3002756"/>
+            <a:ext cx="176452" cy="272296"/>
+          </a:xfrm>
+          <a:prstGeom prst="line">
+            <a:avLst/>
+          </a:prstGeom>
+          <a:ln w="12700">
+            <a:solidFill>
+              <a:srgbClr val="FF0000"/>
+            </a:solidFill>
+          </a:ln>
+        </p:spPr>
+        <p:style>
+          <a:lnRef idx="1">
+            <a:schemeClr val="accent1"/>
+          </a:lnRef>
+          <a:fillRef idx="0">
+            <a:schemeClr val="accent1"/>
+          </a:fillRef>
+          <a:effectRef idx="0">
+            <a:schemeClr val="accent1"/>
+          </a:effectRef>
+          <a:fontRef idx="minor">
+            <a:schemeClr val="tx1"/>
+          </a:fontRef>
+        </p:style>
+      </p:cxnSp>
+      <p:cxnSp>
+        <p:nvCxnSpPr>
+          <p:cNvPr id="11" name="Gerade Verbindung 10"/>
+          <p:cNvCxnSpPr>
+            <a:stCxn id="7" idx="2"/>
+            <a:endCxn id="19" idx="3"/>
+          </p:cNvCxnSpPr>
+          <p:nvPr/>
+        </p:nvCxnSpPr>
+        <p:spPr>
+          <a:xfrm flipH="1">
+            <a:off x="3552231" y="3002756"/>
+            <a:ext cx="656630" cy="573286"/>
+          </a:xfrm>
+          <a:prstGeom prst="line">
+            <a:avLst/>
+          </a:prstGeom>
+          <a:ln w="12700">
+            <a:solidFill>
+              <a:srgbClr val="FF0000"/>
+            </a:solidFill>
+          </a:ln>
+        </p:spPr>
+        <p:style>
+          <a:lnRef idx="1">
+            <a:schemeClr val="accent1"/>
+          </a:lnRef>
+          <a:fillRef idx="0">
+            <a:schemeClr val="accent1"/>
+          </a:fillRef>
+          <a:effectRef idx="0">
+            <a:schemeClr val="accent1"/>
+          </a:effectRef>
+          <a:fontRef idx="minor">
+            <a:schemeClr val="tx1"/>
+          </a:fontRef>
+        </p:style>
+      </p:cxnSp>
+      <p:cxnSp>
+        <p:nvCxnSpPr>
+          <p:cNvPr id="12" name="Gerade Verbindung 11"/>
+          <p:cNvCxnSpPr>
+            <a:stCxn id="8" idx="2"/>
+            <a:endCxn id="20" idx="3"/>
+          </p:cNvCxnSpPr>
+          <p:nvPr/>
+        </p:nvCxnSpPr>
+        <p:spPr>
+          <a:xfrm flipH="1">
+            <a:off x="3555323" y="3002756"/>
+            <a:ext cx="1127407" cy="885706"/>
+          </a:xfrm>
+          <a:prstGeom prst="line">
+            <a:avLst/>
+          </a:prstGeom>
+          <a:ln w="12700">
+            <a:solidFill>
+              <a:srgbClr val="FF0000"/>
+            </a:solidFill>
+          </a:ln>
+        </p:spPr>
+        <p:style>
+          <a:lnRef idx="1">
+            <a:schemeClr val="accent1"/>
+          </a:lnRef>
+          <a:fillRef idx="0">
+            <a:schemeClr val="accent1"/>
+          </a:fillRef>
+          <a:effectRef idx="0">
+            <a:schemeClr val="accent1"/>
+          </a:effectRef>
+          <a:fontRef idx="minor">
+            <a:schemeClr val="tx1"/>
+          </a:fontRef>
+        </p:style>
+      </p:cxnSp>
+      <p:sp>
+        <p:nvSpPr>
+          <p:cNvPr id="17" name="Textfeld 16"/>
+          <p:cNvSpPr txBox="1"/>
+          <p:nvPr/>
+        </p:nvSpPr>
+        <p:spPr>
+          <a:xfrm>
+            <a:off x="2029275" y="3090386"/>
+            <a:ext cx="1529265" cy="369332"/>
+          </a:xfrm>
+          <a:prstGeom prst="rect">
+            <a:avLst/>
+          </a:prstGeom>
+          <a:noFill/>
+        </p:spPr>
+        <p:txBody>
+          <a:bodyPr wrap="none" rtlCol="0">
+            <a:spAutoFit/>
+          </a:bodyPr>
+          <a:lstStyle/>
+          <a:p>
+            <a:r>
+              <a:rPr lang="de-DE" dirty="0" smtClean="0">
+                <a:solidFill>
+                  <a:srgbClr val="FF0000"/>
+                </a:solidFill>
+              </a:rPr>
+              <a:t>Login QR </a:t>
+            </a:r>
+            <a:r>
+              <a:rPr lang="de-DE" dirty="0" err="1" smtClean="0">
+                <a:solidFill>
+                  <a:srgbClr val="FF0000"/>
+                </a:solidFill>
+              </a:rPr>
+              <a:t>code</a:t>
+            </a:r>
+            <a:endParaRPr lang="de-DE" dirty="0">
+              <a:solidFill>
+                <a:srgbClr val="FF0000"/>
+              </a:solidFill>
+            </a:endParaRPr>
+          </a:p>
+        </p:txBody>
+      </p:sp>
+      <p:sp>
+        <p:nvSpPr>
+          <p:cNvPr id="19" name="Textfeld 18"/>
+          <p:cNvSpPr txBox="1"/>
+          <p:nvPr/>
+        </p:nvSpPr>
+        <p:spPr>
+          <a:xfrm>
+            <a:off x="1953075" y="3391376"/>
+            <a:ext cx="1599156" cy="369332"/>
+          </a:xfrm>
+          <a:prstGeom prst="rect">
+            <a:avLst/>
+          </a:prstGeom>
+          <a:noFill/>
+        </p:spPr>
+        <p:txBody>
+          <a:bodyPr wrap="none" rtlCol="0">
+            <a:spAutoFit/>
+          </a:bodyPr>
+          <a:lstStyle/>
+          <a:p>
+            <a:r>
+              <a:rPr lang="de-DE" dirty="0" smtClean="0">
+                <a:solidFill>
+                  <a:srgbClr val="FF0000"/>
+                </a:solidFill>
+              </a:rPr>
+              <a:t>Add </a:t>
+            </a:r>
+            <a:r>
+              <a:rPr lang="de-DE" dirty="0" err="1" smtClean="0">
+                <a:solidFill>
+                  <a:srgbClr val="FF0000"/>
+                </a:solidFill>
+              </a:rPr>
+              <a:t>test</a:t>
+            </a:r>
+            <a:r>
+              <a:rPr lang="de-DE" dirty="0" smtClean="0">
+                <a:solidFill>
+                  <a:srgbClr val="FF0000"/>
+                </a:solidFill>
+              </a:rPr>
+              <a:t> </a:t>
+            </a:r>
+            <a:r>
+              <a:rPr lang="de-DE" dirty="0" err="1" smtClean="0">
+                <a:solidFill>
+                  <a:srgbClr val="FF0000"/>
+                </a:solidFill>
+              </a:rPr>
+              <a:t>player</a:t>
+            </a:r>
+            <a:endParaRPr lang="de-DE" dirty="0">
+              <a:solidFill>
+                <a:srgbClr val="FF0000"/>
+              </a:solidFill>
+            </a:endParaRPr>
+          </a:p>
+        </p:txBody>
+      </p:sp>
+      <p:sp>
+        <p:nvSpPr>
+          <p:cNvPr id="20" name="Textfeld 19"/>
+          <p:cNvSpPr txBox="1"/>
+          <p:nvPr/>
+        </p:nvSpPr>
+        <p:spPr>
+          <a:xfrm>
+            <a:off x="1800675" y="3703796"/>
+            <a:ext cx="1754648" cy="369332"/>
+          </a:xfrm>
+          <a:prstGeom prst="rect">
+            <a:avLst/>
+          </a:prstGeom>
+          <a:noFill/>
+        </p:spPr>
+        <p:txBody>
+          <a:bodyPr wrap="none" rtlCol="0">
+            <a:spAutoFit/>
+          </a:bodyPr>
+          <a:lstStyle/>
+          <a:p>
+            <a:r>
+              <a:rPr lang="de-DE" dirty="0" err="1" smtClean="0">
+                <a:solidFill>
+                  <a:srgbClr val="FF0000"/>
+                </a:solidFill>
+              </a:rPr>
+              <a:t>Diagnostic</a:t>
+            </a:r>
+            <a:r>
+              <a:rPr lang="de-DE" dirty="0" smtClean="0">
+                <a:solidFill>
+                  <a:srgbClr val="FF0000"/>
+                </a:solidFill>
+              </a:rPr>
+              <a:t> </a:t>
+            </a:r>
+            <a:r>
+              <a:rPr lang="de-DE" dirty="0" err="1" smtClean="0">
+                <a:solidFill>
+                  <a:srgbClr val="FF0000"/>
+                </a:solidFill>
+              </a:rPr>
+              <a:t>mode</a:t>
+            </a:r>
+            <a:endParaRPr lang="de-DE" dirty="0">
+              <a:solidFill>
+                <a:srgbClr val="FF0000"/>
+              </a:solidFill>
+            </a:endParaRPr>
+          </a:p>
+        </p:txBody>
+      </p:sp>
+    </p:spTree>
+    <p:extLst>
+      <p:ext uri="{BB962C8B-B14F-4D97-AF65-F5344CB8AC3E}">
+        <p14:creationId xmlns:p14="http://schemas.microsoft.com/office/powerpoint/2010/main" val="1598417757"/>
+      </p:ext>
+    </p:extLst>
+  </p:cSld>
+  <p:clrMapOvr>
+    <a:masterClrMapping/>
+  </p:clrMapOvr>
+  <p:timing>
+    <p:tnLst>
+      <p:par>
+        <p:cTn id="1" dur="indefinite" restart="never" nodeType="tmRoot"/>
+      </p:par>
+    </p:tnLst>
+  </p:timing>
+</p:sld>
+</file>
+
+<file path=ppt/slides/slide6.xml><?xml version="1.0" encoding="utf-8"?>
+<p:sld xmlns:a="http://schemas.openxmlformats.org/drawingml/2006/main" xmlns:r="http://schemas.openxmlformats.org/officeDocument/2006/relationships" xmlns:p="http://schemas.openxmlformats.org/presentationml/2006/main">
+  <p:cSld>
+    <p:spTree>
+      <p:nvGrpSpPr>
+        <p:cNvPr id="1" name=""/>
+        <p:cNvGrpSpPr/>
+        <p:nvPr/>
+      </p:nvGrpSpPr>
+      <p:grpSpPr>
+        <a:xfrm>
+          <a:off x="0" y="0"/>
+          <a:ext cx="0" cy="0"/>
+          <a:chOff x="0" y="0"/>
+          <a:chExt cx="0" cy="0"/>
+        </a:xfrm>
+      </p:grpSpPr>
+      <p:pic>
+        <p:nvPicPr>
+          <p:cNvPr id="3074" name="Picture 2" descr="File:TBnew.PNG"/>
+          <p:cNvPicPr>
+            <a:picLocks noChangeAspect="1" noChangeArrowheads="1"/>
+          </p:cNvPicPr>
+          <p:nvPr/>
+        </p:nvPicPr>
+        <p:blipFill>
+          <a:blip r:embed="rId2">
+            <a:extLst>
+              <a:ext uri="{28A0092B-C50C-407E-A947-70E740481C1C}">
+                <a14:useLocalDpi xmlns:a14="http://schemas.microsoft.com/office/drawing/2010/main" val="0"/>
+              </a:ext>
+            </a:extLst>
+          </a:blip>
+          <a:srcRect/>
+          <a:stretch>
+            <a:fillRect/>
+          </a:stretch>
+        </p:blipFill>
+        <p:spPr bwMode="auto">
+          <a:xfrm>
+            <a:off x="1857375" y="2619375"/>
+            <a:ext cx="5038725" cy="457200"/>
+          </a:xfrm>
+          <a:prstGeom prst="rect">
+            <a:avLst/>
+          </a:prstGeom>
+          <a:noFill/>
+          <a:extLst>
+            <a:ext uri="{909E8E84-426E-40DD-AFC4-6F175D3DCCD1}">
+              <a14:hiddenFill xmlns:a14="http://schemas.microsoft.com/office/drawing/2010/main">
+                <a:solidFill>
+                  <a:srgbClr val="FFFFFF"/>
+                </a:solidFill>
+              </a14:hiddenFill>
+            </a:ext>
+          </a:extLst>
+        </p:spPr>
+      </p:pic>
+      <p:sp>
+        <p:nvSpPr>
+          <p:cNvPr id="5" name="Rechteck 4"/>
+          <p:cNvSpPr/>
+          <p:nvPr/>
+        </p:nvSpPr>
+        <p:spPr>
+          <a:xfrm>
+            <a:off x="3498057" y="2640806"/>
             <a:ext cx="473869" cy="361950"/>
           </a:xfrm>
           <a:prstGeom prst="rect">
@@ -5658,7 +5912,131 @@
 </p:sld>
 </file>
 
-<file path=ppt/slides/slide6.xml><?xml version="1.0" encoding="utf-8"?>
+<file path=ppt/slides/slide7.xml><?xml version="1.0" encoding="utf-8"?>
+<p:sld xmlns:a="http://schemas.openxmlformats.org/drawingml/2006/main" xmlns:r="http://schemas.openxmlformats.org/officeDocument/2006/relationships" xmlns:p="http://schemas.openxmlformats.org/presentationml/2006/main">
+  <p:cSld>
+    <p:spTree>
+      <p:nvGrpSpPr>
+        <p:cNvPr id="1" name=""/>
+        <p:cNvGrpSpPr/>
+        <p:nvPr/>
+      </p:nvGrpSpPr>
+      <p:grpSpPr>
+        <a:xfrm>
+          <a:off x="0" y="0"/>
+          <a:ext cx="0" cy="0"/>
+          <a:chOff x="0" y="0"/>
+          <a:chExt cx="0" cy="0"/>
+        </a:xfrm>
+      </p:grpSpPr>
+      <p:pic>
+        <p:nvPicPr>
+          <p:cNvPr id="3074" name="Picture 2" descr="File:TBnew.PNG"/>
+          <p:cNvPicPr>
+            <a:picLocks noChangeAspect="1" noChangeArrowheads="1"/>
+          </p:cNvPicPr>
+          <p:nvPr/>
+        </p:nvPicPr>
+        <p:blipFill>
+          <a:blip r:embed="rId2">
+            <a:extLst>
+              <a:ext uri="{28A0092B-C50C-407E-A947-70E740481C1C}">
+                <a14:useLocalDpi xmlns:a14="http://schemas.microsoft.com/office/drawing/2010/main" val="0"/>
+              </a:ext>
+            </a:extLst>
+          </a:blip>
+          <a:srcRect/>
+          <a:stretch>
+            <a:fillRect/>
+          </a:stretch>
+        </p:blipFill>
+        <p:spPr bwMode="auto">
+          <a:xfrm>
+            <a:off x="1857375" y="2619375"/>
+            <a:ext cx="5038725" cy="457200"/>
+          </a:xfrm>
+          <a:prstGeom prst="rect">
+            <a:avLst/>
+          </a:prstGeom>
+          <a:noFill/>
+          <a:extLst>
+            <a:ext uri="{909E8E84-426E-40DD-AFC4-6F175D3DCCD1}">
+              <a14:hiddenFill xmlns:a14="http://schemas.microsoft.com/office/drawing/2010/main">
+                <a:solidFill>
+                  <a:srgbClr val="FFFFFF"/>
+                </a:solidFill>
+              </a14:hiddenFill>
+            </a:ext>
+          </a:extLst>
+        </p:spPr>
+      </p:pic>
+      <p:sp>
+        <p:nvSpPr>
+          <p:cNvPr id="7" name="Rechteck 6"/>
+          <p:cNvSpPr/>
+          <p:nvPr/>
+        </p:nvSpPr>
+        <p:spPr>
+          <a:xfrm>
+            <a:off x="3971926" y="2640806"/>
+            <a:ext cx="473869" cy="361950"/>
+          </a:xfrm>
+          <a:prstGeom prst="rect">
+            <a:avLst/>
+          </a:prstGeom>
+          <a:noFill/>
+          <a:ln>
+            <a:solidFill>
+              <a:srgbClr val="FF0000"/>
+            </a:solidFill>
+          </a:ln>
+        </p:spPr>
+        <p:style>
+          <a:lnRef idx="2">
+            <a:schemeClr val="accent1">
+              <a:shade val="50000"/>
+            </a:schemeClr>
+          </a:lnRef>
+          <a:fillRef idx="1">
+            <a:schemeClr val="accent1"/>
+          </a:fillRef>
+          <a:effectRef idx="0">
+            <a:schemeClr val="accent1"/>
+          </a:effectRef>
+          <a:fontRef idx="minor">
+            <a:schemeClr val="lt1"/>
+          </a:fontRef>
+        </p:style>
+        <p:txBody>
+          <a:bodyPr rtlCol="0" anchor="ctr"/>
+          <a:lstStyle/>
+          <a:p>
+            <a:pPr algn="ctr"/>
+            <a:endParaRPr lang="de-DE"/>
+          </a:p>
+        </p:txBody>
+      </p:sp>
+    </p:spTree>
+    <p:extLst>
+      <p:ext uri="{BB962C8B-B14F-4D97-AF65-F5344CB8AC3E}">
+        <p14:creationId xmlns:p14="http://schemas.microsoft.com/office/powerpoint/2010/main" val="1650465062"/>
+      </p:ext>
+    </p:extLst>
+  </p:cSld>
+  <p:clrMapOvr>
+    <a:masterClrMapping/>
+  </p:clrMapOvr>
+  <p:timing>
+    <p:tnLst>
+      <p:par>
+        <p:cTn id="1" dur="indefinite" restart="never" nodeType="tmRoot"/>
+      </p:par>
+    </p:tnLst>
+  </p:timing>
+</p:sld>
+</file>
+
+<file path=ppt/slides/slide8.xml><?xml version="1.0" encoding="utf-8"?>
 <p:sld xmlns:a="http://schemas.openxmlformats.org/drawingml/2006/main" xmlns:r="http://schemas.openxmlformats.org/officeDocument/2006/relationships" xmlns:p="http://schemas.openxmlformats.org/presentationml/2006/main">
   <p:cSld>
     <p:spTree>
